--- a/slides/gabinpractice_220224.pptx
+++ b/slides/gabinpractice_220224.pptx
@@ -5,17 +5,20 @@
     <p:sldMasterId id="2147483648" r:id="rId1"/>
   </p:sldMasterIdLst>
   <p:notesMasterIdLst>
-    <p:notesMasterId r:id="rId10"/>
+    <p:notesMasterId r:id="rId13"/>
   </p:notesMasterIdLst>
   <p:sldIdLst>
     <p:sldId id="262" r:id="rId2"/>
     <p:sldId id="263" r:id="rId3"/>
     <p:sldId id="264" r:id="rId4"/>
-    <p:sldId id="265" r:id="rId5"/>
-    <p:sldId id="266" r:id="rId6"/>
-    <p:sldId id="267" r:id="rId7"/>
-    <p:sldId id="268" r:id="rId8"/>
-    <p:sldId id="269" r:id="rId9"/>
+    <p:sldId id="271" r:id="rId5"/>
+    <p:sldId id="265" r:id="rId6"/>
+    <p:sldId id="266" r:id="rId7"/>
+    <p:sldId id="272" r:id="rId8"/>
+    <p:sldId id="267" r:id="rId9"/>
+    <p:sldId id="268" r:id="rId10"/>
+    <p:sldId id="269" r:id="rId11"/>
+    <p:sldId id="270" r:id="rId12"/>
   </p:sldIdLst>
   <p:sldSz cx="12192000" cy="6858000"/>
   <p:notesSz cx="6858000" cy="9144000"/>
@@ -204,7 +207,7 @@
           <a:p>
             <a:fld id="{168D8067-55C5-4779-8FF5-3AFF385326C0}" type="datetimeFigureOut">
               <a:rPr lang="en-GB" smtClean="0"/>
-              <a:t>15/02/2024</a:t>
+              <a:t>22/02/2024</a:t>
             </a:fld>
             <a:endParaRPr lang="en-GB"/>
           </a:p>
@@ -472,6 +475,366 @@
 </p:notesMaster>
 </file>
 
+<file path=ppt/notesSlides/notesSlide1.xml><?xml version="1.0" encoding="utf-8"?>
+<p:notes xmlns:a="http://schemas.openxmlformats.org/drawingml/2006/main" xmlns:r="http://schemas.openxmlformats.org/officeDocument/2006/relationships" xmlns:p="http://schemas.openxmlformats.org/presentationml/2006/main">
+  <p:cSld>
+    <p:spTree>
+      <p:nvGrpSpPr>
+        <p:cNvPr id="1" name=""/>
+        <p:cNvGrpSpPr/>
+        <p:nvPr/>
+      </p:nvGrpSpPr>
+      <p:grpSpPr>
+        <a:xfrm>
+          <a:off x="0" y="0"/>
+          <a:ext cx="0" cy="0"/>
+          <a:chOff x="0" y="0"/>
+          <a:chExt cx="0" cy="0"/>
+        </a:xfrm>
+      </p:grpSpPr>
+      <p:sp>
+        <p:nvSpPr>
+          <p:cNvPr id="2" name="Espace réservé de l'image des diapositives 1"/>
+          <p:cNvSpPr>
+            <a:spLocks noGrp="1" noRot="1" noChangeAspect="1"/>
+          </p:cNvSpPr>
+          <p:nvPr>
+            <p:ph type="sldImg"/>
+          </p:nvPr>
+        </p:nvSpPr>
+        <p:spPr/>
+      </p:sp>
+      <p:sp>
+        <p:nvSpPr>
+          <p:cNvPr id="3" name="Espace réservé des notes 2"/>
+          <p:cNvSpPr>
+            <a:spLocks noGrp="1"/>
+          </p:cNvSpPr>
+          <p:nvPr>
+            <p:ph type="body" idx="1"/>
+          </p:nvPr>
+        </p:nvSpPr>
+        <p:spPr/>
+        <p:txBody>
+          <a:bodyPr/>
+          <a:lstStyle/>
+          <a:p>
+            <a:endParaRPr lang="fr-FR" dirty="0"/>
+          </a:p>
+        </p:txBody>
+      </p:sp>
+      <p:sp>
+        <p:nvSpPr>
+          <p:cNvPr id="4" name="Espace réservé du numéro de diapositive 3"/>
+          <p:cNvSpPr>
+            <a:spLocks noGrp="1"/>
+          </p:cNvSpPr>
+          <p:nvPr>
+            <p:ph type="sldNum" sz="quarter" idx="5"/>
+          </p:nvPr>
+        </p:nvSpPr>
+        <p:spPr/>
+        <p:txBody>
+          <a:bodyPr/>
+          <a:lstStyle/>
+          <a:p>
+            <a:fld id="{3E99B00C-AFA1-4EB9-8CF5-539590C26208}" type="slidenum">
+              <a:rPr lang="en-GB" smtClean="0"/>
+              <a:t>3</a:t>
+            </a:fld>
+            <a:endParaRPr lang="en-GB"/>
+          </a:p>
+        </p:txBody>
+      </p:sp>
+    </p:spTree>
+    <p:extLst>
+      <p:ext uri="{BB962C8B-B14F-4D97-AF65-F5344CB8AC3E}">
+        <p14:creationId xmlns:p14="http://schemas.microsoft.com/office/powerpoint/2010/main" val="4000422890"/>
+      </p:ext>
+    </p:extLst>
+  </p:cSld>
+  <p:clrMapOvr>
+    <a:masterClrMapping/>
+  </p:clrMapOvr>
+</p:notes>
+</file>
+
+<file path=ppt/notesSlides/notesSlide2.xml><?xml version="1.0" encoding="utf-8"?>
+<p:notes xmlns:a="http://schemas.openxmlformats.org/drawingml/2006/main" xmlns:r="http://schemas.openxmlformats.org/officeDocument/2006/relationships" xmlns:p="http://schemas.openxmlformats.org/presentationml/2006/main">
+  <p:cSld>
+    <p:spTree>
+      <p:nvGrpSpPr>
+        <p:cNvPr id="1" name="">
+          <a:extLst>
+            <a:ext uri="{FF2B5EF4-FFF2-40B4-BE49-F238E27FC236}">
+              <a16:creationId xmlns:a16="http://schemas.microsoft.com/office/drawing/2014/main" id="{48B60C48-8459-886F-4791-CD61A863A701}"/>
+            </a:ext>
+          </a:extLst>
+        </p:cNvPr>
+        <p:cNvGrpSpPr/>
+        <p:nvPr/>
+      </p:nvGrpSpPr>
+      <p:grpSpPr>
+        <a:xfrm>
+          <a:off x="0" y="0"/>
+          <a:ext cx="0" cy="0"/>
+          <a:chOff x="0" y="0"/>
+          <a:chExt cx="0" cy="0"/>
+        </a:xfrm>
+      </p:grpSpPr>
+      <p:sp>
+        <p:nvSpPr>
+          <p:cNvPr id="2" name="Espace réservé de l'image des diapositives 1">
+            <a:extLst>
+              <a:ext uri="{FF2B5EF4-FFF2-40B4-BE49-F238E27FC236}">
+                <a16:creationId xmlns:a16="http://schemas.microsoft.com/office/drawing/2014/main" id="{5DC6F01F-8D36-8D90-834A-235613349511}"/>
+              </a:ext>
+            </a:extLst>
+          </p:cNvPr>
+          <p:cNvSpPr>
+            <a:spLocks noGrp="1" noRot="1" noChangeAspect="1"/>
+          </p:cNvSpPr>
+          <p:nvPr>
+            <p:ph type="sldImg"/>
+          </p:nvPr>
+        </p:nvSpPr>
+        <p:spPr/>
+      </p:sp>
+      <p:sp>
+        <p:nvSpPr>
+          <p:cNvPr id="3" name="Espace réservé des notes 2">
+            <a:extLst>
+              <a:ext uri="{FF2B5EF4-FFF2-40B4-BE49-F238E27FC236}">
+                <a16:creationId xmlns:a16="http://schemas.microsoft.com/office/drawing/2014/main" id="{74C9DFAB-0D5D-A16F-C1AE-0CC8CF532EDD}"/>
+              </a:ext>
+            </a:extLst>
+          </p:cNvPr>
+          <p:cNvSpPr>
+            <a:spLocks noGrp="1"/>
+          </p:cNvSpPr>
+          <p:nvPr>
+            <p:ph type="body" idx="1"/>
+          </p:nvPr>
+        </p:nvSpPr>
+        <p:spPr/>
+        <p:txBody>
+          <a:bodyPr/>
+          <a:lstStyle/>
+          <a:p>
+            <a:endParaRPr lang="fr-FR" dirty="0"/>
+          </a:p>
+        </p:txBody>
+      </p:sp>
+      <p:sp>
+        <p:nvSpPr>
+          <p:cNvPr id="4" name="Espace réservé du numéro de diapositive 3">
+            <a:extLst>
+              <a:ext uri="{FF2B5EF4-FFF2-40B4-BE49-F238E27FC236}">
+                <a16:creationId xmlns:a16="http://schemas.microsoft.com/office/drawing/2014/main" id="{F2B8C771-3C62-BE71-E14F-A2E086D45142}"/>
+              </a:ext>
+            </a:extLst>
+          </p:cNvPr>
+          <p:cNvSpPr>
+            <a:spLocks noGrp="1"/>
+          </p:cNvSpPr>
+          <p:nvPr>
+            <p:ph type="sldNum" sz="quarter" idx="5"/>
+          </p:nvPr>
+        </p:nvSpPr>
+        <p:spPr/>
+        <p:txBody>
+          <a:bodyPr/>
+          <a:lstStyle/>
+          <a:p>
+            <a:fld id="{3E99B00C-AFA1-4EB9-8CF5-539590C26208}" type="slidenum">
+              <a:rPr lang="en-GB" smtClean="0"/>
+              <a:t>4</a:t>
+            </a:fld>
+            <a:endParaRPr lang="en-GB"/>
+          </a:p>
+        </p:txBody>
+      </p:sp>
+    </p:spTree>
+    <p:extLst>
+      <p:ext uri="{BB962C8B-B14F-4D97-AF65-F5344CB8AC3E}">
+        <p14:creationId xmlns:p14="http://schemas.microsoft.com/office/powerpoint/2010/main" val="2867526261"/>
+      </p:ext>
+    </p:extLst>
+  </p:cSld>
+  <p:clrMapOvr>
+    <a:masterClrMapping/>
+  </p:clrMapOvr>
+</p:notes>
+</file>
+
+<file path=ppt/notesSlides/notesSlide3.xml><?xml version="1.0" encoding="utf-8"?>
+<p:notes xmlns:a="http://schemas.openxmlformats.org/drawingml/2006/main" xmlns:r="http://schemas.openxmlformats.org/officeDocument/2006/relationships" xmlns:p="http://schemas.openxmlformats.org/presentationml/2006/main">
+  <p:cSld>
+    <p:spTree>
+      <p:nvGrpSpPr>
+        <p:cNvPr id="1" name=""/>
+        <p:cNvGrpSpPr/>
+        <p:nvPr/>
+      </p:nvGrpSpPr>
+      <p:grpSpPr>
+        <a:xfrm>
+          <a:off x="0" y="0"/>
+          <a:ext cx="0" cy="0"/>
+          <a:chOff x="0" y="0"/>
+          <a:chExt cx="0" cy="0"/>
+        </a:xfrm>
+      </p:grpSpPr>
+      <p:sp>
+        <p:nvSpPr>
+          <p:cNvPr id="2" name="Espace réservé de l'image des diapositives 1"/>
+          <p:cNvSpPr>
+            <a:spLocks noGrp="1" noRot="1" noChangeAspect="1"/>
+          </p:cNvSpPr>
+          <p:nvPr>
+            <p:ph type="sldImg"/>
+          </p:nvPr>
+        </p:nvSpPr>
+        <p:spPr/>
+      </p:sp>
+      <p:sp>
+        <p:nvSpPr>
+          <p:cNvPr id="3" name="Espace réservé des notes 2"/>
+          <p:cNvSpPr>
+            <a:spLocks noGrp="1"/>
+          </p:cNvSpPr>
+          <p:nvPr>
+            <p:ph type="body" idx="1"/>
+          </p:nvPr>
+        </p:nvSpPr>
+        <p:spPr/>
+        <p:txBody>
+          <a:bodyPr/>
+          <a:lstStyle/>
+          <a:p>
+            <a:endParaRPr lang="fr-FR" dirty="0"/>
+          </a:p>
+        </p:txBody>
+      </p:sp>
+      <p:sp>
+        <p:nvSpPr>
+          <p:cNvPr id="4" name="Espace réservé du numéro de diapositive 3"/>
+          <p:cNvSpPr>
+            <a:spLocks noGrp="1"/>
+          </p:cNvSpPr>
+          <p:nvPr>
+            <p:ph type="sldNum" sz="quarter" idx="5"/>
+          </p:nvPr>
+        </p:nvSpPr>
+        <p:spPr/>
+        <p:txBody>
+          <a:bodyPr/>
+          <a:lstStyle/>
+          <a:p>
+            <a:fld id="{3E99B00C-AFA1-4EB9-8CF5-539590C26208}" type="slidenum">
+              <a:rPr lang="en-GB" smtClean="0"/>
+              <a:t>8</a:t>
+            </a:fld>
+            <a:endParaRPr lang="en-GB"/>
+          </a:p>
+        </p:txBody>
+      </p:sp>
+    </p:spTree>
+    <p:extLst>
+      <p:ext uri="{BB962C8B-B14F-4D97-AF65-F5344CB8AC3E}">
+        <p14:creationId xmlns:p14="http://schemas.microsoft.com/office/powerpoint/2010/main" val="3487840756"/>
+      </p:ext>
+    </p:extLst>
+  </p:cSld>
+  <p:clrMapOvr>
+    <a:masterClrMapping/>
+  </p:clrMapOvr>
+</p:notes>
+</file>
+
+<file path=ppt/notesSlides/notesSlide4.xml><?xml version="1.0" encoding="utf-8"?>
+<p:notes xmlns:a="http://schemas.openxmlformats.org/drawingml/2006/main" xmlns:r="http://schemas.openxmlformats.org/officeDocument/2006/relationships" xmlns:p="http://schemas.openxmlformats.org/presentationml/2006/main">
+  <p:cSld>
+    <p:spTree>
+      <p:nvGrpSpPr>
+        <p:cNvPr id="1" name=""/>
+        <p:cNvGrpSpPr/>
+        <p:nvPr/>
+      </p:nvGrpSpPr>
+      <p:grpSpPr>
+        <a:xfrm>
+          <a:off x="0" y="0"/>
+          <a:ext cx="0" cy="0"/>
+          <a:chOff x="0" y="0"/>
+          <a:chExt cx="0" cy="0"/>
+        </a:xfrm>
+      </p:grpSpPr>
+      <p:sp>
+        <p:nvSpPr>
+          <p:cNvPr id="2" name="Espace réservé de l'image des diapositives 1"/>
+          <p:cNvSpPr>
+            <a:spLocks noGrp="1" noRot="1" noChangeAspect="1"/>
+          </p:cNvSpPr>
+          <p:nvPr>
+            <p:ph type="sldImg"/>
+          </p:nvPr>
+        </p:nvSpPr>
+        <p:spPr/>
+      </p:sp>
+      <p:sp>
+        <p:nvSpPr>
+          <p:cNvPr id="3" name="Espace réservé des notes 2"/>
+          <p:cNvSpPr>
+            <a:spLocks noGrp="1"/>
+          </p:cNvSpPr>
+          <p:nvPr>
+            <p:ph type="body" idx="1"/>
+          </p:nvPr>
+        </p:nvSpPr>
+        <p:spPr/>
+        <p:txBody>
+          <a:bodyPr/>
+          <a:lstStyle/>
+          <a:p>
+            <a:endParaRPr lang="fr-FR" dirty="0"/>
+          </a:p>
+        </p:txBody>
+      </p:sp>
+      <p:sp>
+        <p:nvSpPr>
+          <p:cNvPr id="4" name="Espace réservé du numéro de diapositive 3"/>
+          <p:cNvSpPr>
+            <a:spLocks noGrp="1"/>
+          </p:cNvSpPr>
+          <p:nvPr>
+            <p:ph type="sldNum" sz="quarter" idx="5"/>
+          </p:nvPr>
+        </p:nvSpPr>
+        <p:spPr/>
+        <p:txBody>
+          <a:bodyPr/>
+          <a:lstStyle/>
+          <a:p>
+            <a:fld id="{3E99B00C-AFA1-4EB9-8CF5-539590C26208}" type="slidenum">
+              <a:rPr lang="en-GB" smtClean="0"/>
+              <a:t>11</a:t>
+            </a:fld>
+            <a:endParaRPr lang="en-GB"/>
+          </a:p>
+        </p:txBody>
+      </p:sp>
+    </p:spTree>
+    <p:extLst>
+      <p:ext uri="{BB962C8B-B14F-4D97-AF65-F5344CB8AC3E}">
+        <p14:creationId xmlns:p14="http://schemas.microsoft.com/office/powerpoint/2010/main" val="2830425734"/>
+      </p:ext>
+    </p:extLst>
+  </p:cSld>
+  <p:clrMapOvr>
+    <a:masterClrMapping/>
+  </p:clrMapOvr>
+</p:notes>
+</file>
+
 <file path=ppt/slideLayouts/slideLayout1.xml><?xml version="1.0" encoding="utf-8"?>
 <p:sldLayout xmlns:a="http://schemas.openxmlformats.org/drawingml/2006/main" xmlns:r="http://schemas.openxmlformats.org/officeDocument/2006/relationships" xmlns:p="http://schemas.openxmlformats.org/presentationml/2006/main" type="title" preserve="1">
   <p:cSld name="Title Slide">
@@ -621,7 +984,7 @@
           <a:p>
             <a:fld id="{D77EC607-2E96-4926-A184-B659B9D6396C}" type="datetime1">
               <a:rPr lang="en-GB" smtClean="0"/>
-              <a:t>15/02/2024</a:t>
+              <a:t>22/02/2024</a:t>
             </a:fld>
             <a:endParaRPr lang="en-GB"/>
           </a:p>
@@ -821,7 +1184,7 @@
           <a:p>
             <a:fld id="{06800215-99DF-4FA6-9682-4E20D0FAFFCA}" type="datetime1">
               <a:rPr lang="en-GB" smtClean="0"/>
-              <a:t>15/02/2024</a:t>
+              <a:t>22/02/2024</a:t>
             </a:fld>
             <a:endParaRPr lang="en-GB"/>
           </a:p>
@@ -1031,7 +1394,7 @@
           <a:p>
             <a:fld id="{55A30A5E-061F-4CD6-9E7D-12CC40E45E93}" type="datetime1">
               <a:rPr lang="en-GB" smtClean="0"/>
-              <a:t>15/02/2024</a:t>
+              <a:t>22/02/2024</a:t>
             </a:fld>
             <a:endParaRPr lang="en-GB"/>
           </a:p>
@@ -1231,7 +1594,7 @@
           <a:p>
             <a:fld id="{1875F7B1-CBC7-4CF2-90AE-B5CF4CB91CC5}" type="datetime1">
               <a:rPr lang="en-GB" smtClean="0"/>
-              <a:t>15/02/2024</a:t>
+              <a:t>22/02/2024</a:t>
             </a:fld>
             <a:endParaRPr lang="en-GB"/>
           </a:p>
@@ -1507,7 +1870,7 @@
           <a:p>
             <a:fld id="{5E68B4B8-5230-4215-85A9-DEBB3F873D58}" type="datetime1">
               <a:rPr lang="en-GB" smtClean="0"/>
-              <a:t>15/02/2024</a:t>
+              <a:t>22/02/2024</a:t>
             </a:fld>
             <a:endParaRPr lang="en-GB"/>
           </a:p>
@@ -1775,7 +2138,7 @@
           <a:p>
             <a:fld id="{743EEAE5-760C-43D0-8D09-9551749938F9}" type="datetime1">
               <a:rPr lang="en-GB" smtClean="0"/>
-              <a:t>15/02/2024</a:t>
+              <a:t>22/02/2024</a:t>
             </a:fld>
             <a:endParaRPr lang="en-GB"/>
           </a:p>
@@ -2190,7 +2553,7 @@
           <a:p>
             <a:fld id="{A5F671AB-BF83-4198-8806-3D8CBB71A447}" type="datetime1">
               <a:rPr lang="en-GB" smtClean="0"/>
-              <a:t>15/02/2024</a:t>
+              <a:t>22/02/2024</a:t>
             </a:fld>
             <a:endParaRPr lang="en-GB"/>
           </a:p>
@@ -2332,7 +2695,7 @@
           <a:p>
             <a:fld id="{25CD853A-C949-49B8-A98D-75A8856C3A3C}" type="datetime1">
               <a:rPr lang="en-GB" smtClean="0"/>
-              <a:t>15/02/2024</a:t>
+              <a:t>22/02/2024</a:t>
             </a:fld>
             <a:endParaRPr lang="en-GB"/>
           </a:p>
@@ -2445,7 +2808,7 @@
           <a:p>
             <a:fld id="{86D36B33-7862-40D2-AC8D-E08F4F8ED7C6}" type="datetime1">
               <a:rPr lang="en-GB" smtClean="0"/>
-              <a:t>15/02/2024</a:t>
+              <a:t>22/02/2024</a:t>
             </a:fld>
             <a:endParaRPr lang="en-GB"/>
           </a:p>
@@ -2758,7 +3121,7 @@
           <a:p>
             <a:fld id="{F7AA2571-D414-4EF8-9911-C4EF92DB7AC4}" type="datetime1">
               <a:rPr lang="en-GB" smtClean="0"/>
-              <a:t>15/02/2024</a:t>
+              <a:t>22/02/2024</a:t>
             </a:fld>
             <a:endParaRPr lang="en-GB"/>
           </a:p>
@@ -3047,7 +3410,7 @@
           <a:p>
             <a:fld id="{002B7861-F1A6-42AE-8F59-1F12920E7E26}" type="datetime1">
               <a:rPr lang="en-GB" smtClean="0"/>
-              <a:t>15/02/2024</a:t>
+              <a:t>22/02/2024</a:t>
             </a:fld>
             <a:endParaRPr lang="en-GB"/>
           </a:p>
@@ -3290,7 +3653,7 @@
           <a:p>
             <a:fld id="{8537DEA4-59E7-42DA-8206-38BE558A15B1}" type="datetime1">
               <a:rPr lang="en-GB" smtClean="0"/>
-              <a:t>15/02/2024</a:t>
+              <a:t>22/02/2024</a:t>
             </a:fld>
             <a:endParaRPr lang="en-GB"/>
           </a:p>
@@ -4108,6 +4471,243 @@
 </p:sld>
 </file>
 
+<file path=ppt/slides/slide10.xml><?xml version="1.0" encoding="utf-8"?>
+<p:sld xmlns:a="http://schemas.openxmlformats.org/drawingml/2006/main" xmlns:r="http://schemas.openxmlformats.org/officeDocument/2006/relationships" xmlns:p="http://schemas.openxmlformats.org/presentationml/2006/main">
+  <p:cSld>
+    <p:spTree>
+      <p:nvGrpSpPr>
+        <p:cNvPr id="1" name=""/>
+        <p:cNvGrpSpPr/>
+        <p:nvPr/>
+      </p:nvGrpSpPr>
+      <p:grpSpPr>
+        <a:xfrm>
+          <a:off x="0" y="0"/>
+          <a:ext cx="0" cy="0"/>
+          <a:chOff x="0" y="0"/>
+          <a:chExt cx="0" cy="0"/>
+        </a:xfrm>
+      </p:grpSpPr>
+      <p:sp>
+        <p:nvSpPr>
+          <p:cNvPr id="2" name="Titre 1">
+            <a:extLst>
+              <a:ext uri="{FF2B5EF4-FFF2-40B4-BE49-F238E27FC236}">
+                <a16:creationId xmlns:a16="http://schemas.microsoft.com/office/drawing/2014/main" id="{9310533A-E287-B059-7432-5BBCCB468E24}"/>
+              </a:ext>
+            </a:extLst>
+          </p:cNvPr>
+          <p:cNvSpPr>
+            <a:spLocks noGrp="1"/>
+          </p:cNvSpPr>
+          <p:nvPr>
+            <p:ph type="title"/>
+          </p:nvPr>
+        </p:nvSpPr>
+        <p:spPr>
+          <a:xfrm>
+            <a:off x="4191000" y="2628265"/>
+            <a:ext cx="10515600" cy="1325563"/>
+          </a:xfrm>
+        </p:spPr>
+        <p:txBody>
+          <a:bodyPr/>
+          <a:lstStyle/>
+          <a:p>
+            <a:r>
+              <a:rPr lang="fr-FR" dirty="0" err="1"/>
+              <a:t>Thank</a:t>
+            </a:r>
+            <a:r>
+              <a:rPr lang="fr-FR" dirty="0"/>
+              <a:t> </a:t>
+            </a:r>
+            <a:r>
+              <a:rPr lang="fr-FR" dirty="0" err="1"/>
+              <a:t>you</a:t>
+            </a:r>
+            <a:r>
+              <a:rPr lang="fr-FR" dirty="0"/>
+              <a:t>!</a:t>
+            </a:r>
+          </a:p>
+        </p:txBody>
+      </p:sp>
+      <p:sp>
+        <p:nvSpPr>
+          <p:cNvPr id="4" name="Espace réservé du numéro de diapositive 3">
+            <a:extLst>
+              <a:ext uri="{FF2B5EF4-FFF2-40B4-BE49-F238E27FC236}">
+                <a16:creationId xmlns:a16="http://schemas.microsoft.com/office/drawing/2014/main" id="{E3AFB2C4-9E3B-68CE-FBA2-25EF86E27C80}"/>
+              </a:ext>
+            </a:extLst>
+          </p:cNvPr>
+          <p:cNvSpPr>
+            <a:spLocks noGrp="1"/>
+          </p:cNvSpPr>
+          <p:nvPr>
+            <p:ph type="sldNum" sz="quarter" idx="12"/>
+          </p:nvPr>
+        </p:nvSpPr>
+        <p:spPr/>
+        <p:txBody>
+          <a:bodyPr/>
+          <a:lstStyle/>
+          <a:p>
+            <a:fld id="{BF75FECA-9BC9-4A5E-BB8B-D085B27CAF2D}" type="slidenum">
+              <a:rPr lang="en-GB" smtClean="0"/>
+              <a:t>10</a:t>
+            </a:fld>
+            <a:endParaRPr lang="en-GB"/>
+          </a:p>
+        </p:txBody>
+      </p:sp>
+    </p:spTree>
+    <p:extLst>
+      <p:ext uri="{BB962C8B-B14F-4D97-AF65-F5344CB8AC3E}">
+        <p14:creationId xmlns:p14="http://schemas.microsoft.com/office/powerpoint/2010/main" val="922791256"/>
+      </p:ext>
+    </p:extLst>
+  </p:cSld>
+  <p:clrMapOvr>
+    <a:masterClrMapping/>
+  </p:clrMapOvr>
+</p:sld>
+</file>
+
+<file path=ppt/slides/slide11.xml><?xml version="1.0" encoding="utf-8"?>
+<p:sld xmlns:a="http://schemas.openxmlformats.org/drawingml/2006/main" xmlns:r="http://schemas.openxmlformats.org/officeDocument/2006/relationships" xmlns:p="http://schemas.openxmlformats.org/presentationml/2006/main">
+  <p:cSld>
+    <p:spTree>
+      <p:nvGrpSpPr>
+        <p:cNvPr id="1" name=""/>
+        <p:cNvGrpSpPr/>
+        <p:nvPr/>
+      </p:nvGrpSpPr>
+      <p:grpSpPr>
+        <a:xfrm>
+          <a:off x="0" y="0"/>
+          <a:ext cx="0" cy="0"/>
+          <a:chOff x="0" y="0"/>
+          <a:chExt cx="0" cy="0"/>
+        </a:xfrm>
+      </p:grpSpPr>
+      <p:sp>
+        <p:nvSpPr>
+          <p:cNvPr id="2" name="Titre 1">
+            <a:extLst>
+              <a:ext uri="{FF2B5EF4-FFF2-40B4-BE49-F238E27FC236}">
+                <a16:creationId xmlns:a16="http://schemas.microsoft.com/office/drawing/2014/main" id="{A3070BEA-1C4F-4F02-B9D2-905D15B60480}"/>
+              </a:ext>
+            </a:extLst>
+          </p:cNvPr>
+          <p:cNvSpPr>
+            <a:spLocks noGrp="1"/>
+          </p:cNvSpPr>
+          <p:nvPr>
+            <p:ph type="title"/>
+          </p:nvPr>
+        </p:nvSpPr>
+        <p:spPr>
+          <a:xfrm>
+            <a:off x="606425" y="252439"/>
+            <a:ext cx="10515600" cy="1325563"/>
+          </a:xfrm>
+        </p:spPr>
+        <p:txBody>
+          <a:bodyPr/>
+          <a:lstStyle/>
+          <a:p>
+            <a:r>
+              <a:rPr lang="fr-FR" dirty="0"/>
+              <a:t>APPENDIX 1: Phase </a:t>
+            </a:r>
+            <a:r>
+              <a:rPr lang="fr-FR" dirty="0" err="1"/>
+              <a:t>diagram</a:t>
+            </a:r>
+            <a:endParaRPr lang="fr-FR" dirty="0"/>
+          </a:p>
+        </p:txBody>
+      </p:sp>
+      <p:sp>
+        <p:nvSpPr>
+          <p:cNvPr id="4" name="Espace réservé du numéro de diapositive 3">
+            <a:extLst>
+              <a:ext uri="{FF2B5EF4-FFF2-40B4-BE49-F238E27FC236}">
+                <a16:creationId xmlns:a16="http://schemas.microsoft.com/office/drawing/2014/main" id="{19431E2B-E57D-C5BA-F6A3-8EEB9BC91909}"/>
+              </a:ext>
+            </a:extLst>
+          </p:cNvPr>
+          <p:cNvSpPr>
+            <a:spLocks noGrp="1"/>
+          </p:cNvSpPr>
+          <p:nvPr>
+            <p:ph type="sldNum" sz="quarter" idx="12"/>
+          </p:nvPr>
+        </p:nvSpPr>
+        <p:spPr/>
+        <p:txBody>
+          <a:bodyPr/>
+          <a:lstStyle/>
+          <a:p>
+            <a:fld id="{BF75FECA-9BC9-4A5E-BB8B-D085B27CAF2D}" type="slidenum">
+              <a:rPr lang="en-GB" smtClean="0"/>
+              <a:t>11</a:t>
+            </a:fld>
+            <a:endParaRPr lang="en-GB"/>
+          </a:p>
+        </p:txBody>
+      </p:sp>
+      <p:pic>
+        <p:nvPicPr>
+          <p:cNvPr id="6" name="Image 5">
+            <a:extLst>
+              <a:ext uri="{FF2B5EF4-FFF2-40B4-BE49-F238E27FC236}">
+                <a16:creationId xmlns:a16="http://schemas.microsoft.com/office/drawing/2014/main" id="{5EF01F31-B1C5-CA88-DE91-AA4D6EC66820}"/>
+              </a:ext>
+            </a:extLst>
+          </p:cNvPr>
+          <p:cNvPicPr>
+            <a:picLocks noChangeAspect="1"/>
+          </p:cNvPicPr>
+          <p:nvPr/>
+        </p:nvPicPr>
+        <p:blipFill>
+          <a:blip r:embed="rId3">
+            <a:extLst>
+              <a:ext uri="{28A0092B-C50C-407E-A947-70E740481C1C}">
+                <a14:useLocalDpi xmlns:a14="http://schemas.microsoft.com/office/drawing/2010/main" val="0"/>
+              </a:ext>
+            </a:extLst>
+          </a:blip>
+          <a:stretch>
+            <a:fillRect/>
+          </a:stretch>
+        </p:blipFill>
+        <p:spPr>
+          <a:xfrm>
+            <a:off x="111125" y="1692302"/>
+            <a:ext cx="11969750" cy="3882081"/>
+          </a:xfrm>
+          <a:prstGeom prst="rect">
+            <a:avLst/>
+          </a:prstGeom>
+        </p:spPr>
+      </p:pic>
+    </p:spTree>
+    <p:extLst>
+      <p:ext uri="{BB962C8B-B14F-4D97-AF65-F5344CB8AC3E}">
+        <p14:creationId xmlns:p14="http://schemas.microsoft.com/office/powerpoint/2010/main" val="134184604"/>
+      </p:ext>
+    </p:extLst>
+  </p:cSld>
+  <p:clrMapOvr>
+    <a:masterClrMapping/>
+  </p:clrMapOvr>
+</p:sld>
+</file>
+
 <file path=ppt/slides/slide2.xml><?xml version="1.0" encoding="utf-8"?>
 <p:sld xmlns:a="http://schemas.openxmlformats.org/drawingml/2006/main" xmlns:r="http://schemas.openxmlformats.org/officeDocument/2006/relationships" xmlns:p="http://schemas.openxmlformats.org/presentationml/2006/main">
   <p:cSld>
@@ -4391,6 +4991,303 @@
           <a:p>
             <a:pPr algn="ctr"/>
             <a:endParaRPr lang="fr-FR"/>
+          </a:p>
+        </p:txBody>
+      </p:sp>
+      <p:pic>
+        <p:nvPicPr>
+          <p:cNvPr id="9" name="Image 8">
+            <a:extLst>
+              <a:ext uri="{FF2B5EF4-FFF2-40B4-BE49-F238E27FC236}">
+                <a16:creationId xmlns:a16="http://schemas.microsoft.com/office/drawing/2014/main" id="{F7C31E3A-B063-E1D4-7BC9-714F491175E3}"/>
+              </a:ext>
+            </a:extLst>
+          </p:cNvPr>
+          <p:cNvPicPr>
+            <a:picLocks noChangeAspect="1"/>
+          </p:cNvPicPr>
+          <p:nvPr/>
+        </p:nvPicPr>
+        <p:blipFill>
+          <a:blip r:embed="rId2"/>
+          <a:stretch>
+            <a:fillRect/>
+          </a:stretch>
+        </p:blipFill>
+        <p:spPr>
+          <a:xfrm>
+            <a:off x="1178013" y="1524948"/>
+            <a:ext cx="10726645" cy="3808104"/>
+          </a:xfrm>
+          <a:prstGeom prst="rect">
+            <a:avLst/>
+          </a:prstGeom>
+        </p:spPr>
+      </p:pic>
+      <p:sp>
+        <p:nvSpPr>
+          <p:cNvPr id="10" name="Titre 1">
+            <a:extLst>
+              <a:ext uri="{FF2B5EF4-FFF2-40B4-BE49-F238E27FC236}">
+                <a16:creationId xmlns:a16="http://schemas.microsoft.com/office/drawing/2014/main" id="{EB22F14E-4F42-89C8-30D6-8EDD3E347A38}"/>
+              </a:ext>
+            </a:extLst>
+          </p:cNvPr>
+          <p:cNvSpPr txBox="1">
+            <a:spLocks/>
+          </p:cNvSpPr>
+          <p:nvPr/>
+        </p:nvSpPr>
+        <p:spPr>
+          <a:xfrm>
+            <a:off x="370006" y="4403725"/>
+            <a:ext cx="2164080" cy="732155"/>
+          </a:xfrm>
+          <a:prstGeom prst="rect">
+            <a:avLst/>
+          </a:prstGeom>
+        </p:spPr>
+        <p:txBody>
+          <a:bodyPr vert="horz" lIns="91440" tIns="45720" rIns="91440" bIns="45720" rtlCol="0" anchor="ctr">
+            <a:normAutofit/>
+          </a:bodyPr>
+          <a:lstStyle>
+            <a:lvl1pPr algn="l" defTabSz="914400" rtl="0" eaLnBrk="1" latinLnBrk="0" hangingPunct="1">
+              <a:lnSpc>
+                <a:spcPct val="90000"/>
+              </a:lnSpc>
+              <a:spcBef>
+                <a:spcPct val="0"/>
+              </a:spcBef>
+              <a:buNone/>
+              <a:defRPr sz="4400" kern="1200">
+                <a:solidFill>
+                  <a:schemeClr val="tx1"/>
+                </a:solidFill>
+                <a:latin typeface="+mj-lt"/>
+                <a:ea typeface="+mj-ea"/>
+                <a:cs typeface="+mj-cs"/>
+              </a:defRPr>
+            </a:lvl1pPr>
+          </a:lstStyle>
+          <a:p>
+            <a:r>
+              <a:rPr lang="fr-FR" sz="1800" b="1" dirty="0" err="1"/>
+              <a:t>mRNA</a:t>
+            </a:r>
+            <a:endParaRPr lang="fr-FR" sz="1800" b="1" dirty="0"/>
+          </a:p>
+        </p:txBody>
+      </p:sp>
+      <p:sp>
+        <p:nvSpPr>
+          <p:cNvPr id="11" name="Titre 1">
+            <a:extLst>
+              <a:ext uri="{FF2B5EF4-FFF2-40B4-BE49-F238E27FC236}">
+                <a16:creationId xmlns:a16="http://schemas.microsoft.com/office/drawing/2014/main" id="{352E3D43-C8CE-5FF0-CB47-48958DE1C536}"/>
+              </a:ext>
+            </a:extLst>
+          </p:cNvPr>
+          <p:cNvSpPr txBox="1">
+            <a:spLocks/>
+          </p:cNvSpPr>
+          <p:nvPr/>
+        </p:nvSpPr>
+        <p:spPr>
+          <a:xfrm>
+            <a:off x="2473126" y="3245485"/>
+            <a:ext cx="2164080" cy="732155"/>
+          </a:xfrm>
+          <a:prstGeom prst="rect">
+            <a:avLst/>
+          </a:prstGeom>
+        </p:spPr>
+        <p:txBody>
+          <a:bodyPr vert="horz" lIns="91440" tIns="45720" rIns="91440" bIns="45720" rtlCol="0" anchor="ctr">
+            <a:normAutofit/>
+          </a:bodyPr>
+          <a:lstStyle>
+            <a:lvl1pPr algn="l" defTabSz="914400" rtl="0" eaLnBrk="1" latinLnBrk="0" hangingPunct="1">
+              <a:lnSpc>
+                <a:spcPct val="90000"/>
+              </a:lnSpc>
+              <a:spcBef>
+                <a:spcPct val="0"/>
+              </a:spcBef>
+              <a:buNone/>
+              <a:defRPr sz="4400" kern="1200">
+                <a:solidFill>
+                  <a:schemeClr val="tx1"/>
+                </a:solidFill>
+                <a:latin typeface="+mj-lt"/>
+                <a:ea typeface="+mj-ea"/>
+                <a:cs typeface="+mj-cs"/>
+              </a:defRPr>
+            </a:lvl1pPr>
+          </a:lstStyle>
+          <a:p>
+            <a:r>
+              <a:rPr lang="fr-FR" sz="1800" b="1" dirty="0"/>
+              <a:t>Polypeptide</a:t>
+            </a:r>
+          </a:p>
+        </p:txBody>
+      </p:sp>
+      <p:sp>
+        <p:nvSpPr>
+          <p:cNvPr id="12" name="Titre 1">
+            <a:extLst>
+              <a:ext uri="{FF2B5EF4-FFF2-40B4-BE49-F238E27FC236}">
+                <a16:creationId xmlns:a16="http://schemas.microsoft.com/office/drawing/2014/main" id="{B36B7FD6-2785-80A2-7188-BA8A13924E39}"/>
+              </a:ext>
+            </a:extLst>
+          </p:cNvPr>
+          <p:cNvSpPr txBox="1">
+            <a:spLocks/>
+          </p:cNvSpPr>
+          <p:nvPr/>
+        </p:nvSpPr>
+        <p:spPr>
+          <a:xfrm>
+            <a:off x="3486586" y="5285749"/>
+            <a:ext cx="2164080" cy="732155"/>
+          </a:xfrm>
+          <a:prstGeom prst="rect">
+            <a:avLst/>
+          </a:prstGeom>
+        </p:spPr>
+        <p:txBody>
+          <a:bodyPr vert="horz" lIns="91440" tIns="45720" rIns="91440" bIns="45720" rtlCol="0" anchor="ctr">
+            <a:normAutofit/>
+          </a:bodyPr>
+          <a:lstStyle>
+            <a:lvl1pPr algn="l" defTabSz="914400" rtl="0" eaLnBrk="1" latinLnBrk="0" hangingPunct="1">
+              <a:lnSpc>
+                <a:spcPct val="90000"/>
+              </a:lnSpc>
+              <a:spcBef>
+                <a:spcPct val="0"/>
+              </a:spcBef>
+              <a:buNone/>
+              <a:defRPr sz="4400" kern="1200">
+                <a:solidFill>
+                  <a:schemeClr val="tx1"/>
+                </a:solidFill>
+                <a:latin typeface="+mj-lt"/>
+                <a:ea typeface="+mj-ea"/>
+                <a:cs typeface="+mj-cs"/>
+              </a:defRPr>
+            </a:lvl1pPr>
+          </a:lstStyle>
+          <a:p>
+            <a:r>
+              <a:rPr lang="fr-FR" sz="1800" b="1" dirty="0">
+                <a:solidFill>
+                  <a:srgbClr val="0070C0"/>
+                </a:solidFill>
+              </a:rPr>
+              <a:t>Ribosome (</a:t>
+            </a:r>
+            <a:r>
+              <a:rPr lang="fr-FR" sz="1800" b="1" dirty="0" err="1">
+                <a:solidFill>
+                  <a:srgbClr val="0070C0"/>
+                </a:solidFill>
+              </a:rPr>
+              <a:t>elongating</a:t>
+            </a:r>
+            <a:r>
+              <a:rPr lang="fr-FR" sz="1800" b="1" dirty="0">
+                <a:solidFill>
+                  <a:srgbClr val="0070C0"/>
+                </a:solidFill>
+              </a:rPr>
+              <a:t>)</a:t>
+            </a:r>
+          </a:p>
+        </p:txBody>
+      </p:sp>
+      <p:sp>
+        <p:nvSpPr>
+          <p:cNvPr id="13" name="Titre 1">
+            <a:extLst>
+              <a:ext uri="{FF2B5EF4-FFF2-40B4-BE49-F238E27FC236}">
+                <a16:creationId xmlns:a16="http://schemas.microsoft.com/office/drawing/2014/main" id="{7375AC0F-9AEC-DB1D-A0DF-9F551A902355}"/>
+              </a:ext>
+            </a:extLst>
+          </p:cNvPr>
+          <p:cNvSpPr txBox="1">
+            <a:spLocks/>
+          </p:cNvSpPr>
+          <p:nvPr/>
+        </p:nvSpPr>
+        <p:spPr>
+          <a:xfrm>
+            <a:off x="7452360" y="5129215"/>
+            <a:ext cx="2164080" cy="732155"/>
+          </a:xfrm>
+          <a:prstGeom prst="rect">
+            <a:avLst/>
+          </a:prstGeom>
+        </p:spPr>
+        <p:txBody>
+          <a:bodyPr vert="horz" lIns="91440" tIns="45720" rIns="91440" bIns="45720" rtlCol="0" anchor="ctr">
+            <a:normAutofit/>
+          </a:bodyPr>
+          <a:lstStyle>
+            <a:lvl1pPr algn="l" defTabSz="914400" rtl="0" eaLnBrk="1" latinLnBrk="0" hangingPunct="1">
+              <a:lnSpc>
+                <a:spcPct val="90000"/>
+              </a:lnSpc>
+              <a:spcBef>
+                <a:spcPct val="0"/>
+              </a:spcBef>
+              <a:buNone/>
+              <a:defRPr sz="4400" kern="1200">
+                <a:solidFill>
+                  <a:schemeClr val="tx1"/>
+                </a:solidFill>
+                <a:latin typeface="+mj-lt"/>
+                <a:ea typeface="+mj-ea"/>
+                <a:cs typeface="+mj-cs"/>
+              </a:defRPr>
+            </a:lvl1pPr>
+          </a:lstStyle>
+          <a:p>
+            <a:r>
+              <a:rPr lang="fr-FR" sz="1800" b="1" dirty="0">
+                <a:solidFill>
+                  <a:srgbClr val="0070C0"/>
+                </a:solidFill>
+              </a:rPr>
+              <a:t>Ribosome </a:t>
+            </a:r>
+          </a:p>
+          <a:p>
+            <a:r>
+              <a:rPr lang="fr-FR" sz="1800" b="1" dirty="0">
+                <a:solidFill>
+                  <a:srgbClr val="0070C0"/>
+                </a:solidFill>
+              </a:rPr>
+              <a:t>(</a:t>
+            </a:r>
+            <a:r>
+              <a:rPr lang="fr-FR" sz="1800" b="1" dirty="0" err="1">
+                <a:solidFill>
+                  <a:srgbClr val="0070C0"/>
+                </a:solidFill>
+              </a:rPr>
+              <a:t>stuck</a:t>
+            </a:r>
+            <a:r>
+              <a:rPr lang="fr-FR" sz="1800" b="1" dirty="0">
+                <a:solidFill>
+                  <a:srgbClr val="0070C0"/>
+                </a:solidFill>
+              </a:rPr>
+              <a:t> at scanning) </a:t>
+            </a:r>
           </a:p>
         </p:txBody>
       </p:sp>
@@ -4446,12 +5343,8 @@
           <a:lstStyle/>
           <a:p>
             <a:r>
-              <a:rPr lang="fr-FR" dirty="0" err="1"/>
-              <a:t>Introducing</a:t>
-            </a:r>
-            <a:r>
               <a:rPr lang="fr-FR" dirty="0"/>
-              <a:t> the </a:t>
+              <a:t>Ssd1, a </a:t>
             </a:r>
             <a:r>
               <a:rPr lang="fr-FR" dirty="0" err="1"/>
@@ -4459,7 +5352,7 @@
             </a:r>
             <a:r>
               <a:rPr lang="fr-FR" dirty="0"/>
-              <a:t> </a:t>
+              <a:t> translation </a:t>
             </a:r>
             <a:r>
               <a:rPr lang="fr-FR" dirty="0" err="1"/>
@@ -4467,7 +5360,7 @@
             </a:r>
             <a:r>
               <a:rPr lang="fr-FR" dirty="0"/>
-              <a:t> Ssd1</a:t>
+              <a:t> </a:t>
             </a:r>
           </a:p>
         </p:txBody>
@@ -4806,6 +5699,329 @@
           </a:prstGeom>
           <a:solidFill>
             <a:schemeClr val="tx1"/>
+          </a:solidFill>
+          <a:ln>
+            <a:noFill/>
+          </a:ln>
+        </p:spPr>
+        <p:style>
+          <a:lnRef idx="2">
+            <a:schemeClr val="accent1">
+              <a:shade val="15000"/>
+            </a:schemeClr>
+          </a:lnRef>
+          <a:fillRef idx="1">
+            <a:schemeClr val="accent1"/>
+          </a:fillRef>
+          <a:effectRef idx="0">
+            <a:schemeClr val="accent1"/>
+          </a:effectRef>
+          <a:fontRef idx="minor">
+            <a:schemeClr val="lt1"/>
+          </a:fontRef>
+        </p:style>
+        <p:txBody>
+          <a:bodyPr rtlCol="0" anchor="ctr"/>
+          <a:lstStyle/>
+          <a:p>
+            <a:pPr algn="ctr"/>
+            <a:endParaRPr lang="fr-FR"/>
+          </a:p>
+        </p:txBody>
+      </p:sp>
+      <p:pic>
+        <p:nvPicPr>
+          <p:cNvPr id="10" name="Image 9">
+            <a:extLst>
+              <a:ext uri="{FF2B5EF4-FFF2-40B4-BE49-F238E27FC236}">
+                <a16:creationId xmlns:a16="http://schemas.microsoft.com/office/drawing/2014/main" id="{9B5D7A8D-CFC2-3DA1-75FB-AA56C952CA36}"/>
+              </a:ext>
+            </a:extLst>
+          </p:cNvPr>
+          <p:cNvPicPr>
+            <a:picLocks noChangeAspect="1"/>
+          </p:cNvPicPr>
+          <p:nvPr/>
+        </p:nvPicPr>
+        <p:blipFill>
+          <a:blip r:embed="rId3"/>
+          <a:stretch>
+            <a:fillRect/>
+          </a:stretch>
+        </p:blipFill>
+        <p:spPr>
+          <a:xfrm>
+            <a:off x="838200" y="1362204"/>
+            <a:ext cx="4578428" cy="4927787"/>
+          </a:xfrm>
+          <a:prstGeom prst="rect">
+            <a:avLst/>
+          </a:prstGeom>
+        </p:spPr>
+      </p:pic>
+      <p:sp>
+        <p:nvSpPr>
+          <p:cNvPr id="11" name="Titre 1">
+            <a:extLst>
+              <a:ext uri="{FF2B5EF4-FFF2-40B4-BE49-F238E27FC236}">
+                <a16:creationId xmlns:a16="http://schemas.microsoft.com/office/drawing/2014/main" id="{284775AE-099D-B3F3-0644-D306BCB058E3}"/>
+              </a:ext>
+            </a:extLst>
+          </p:cNvPr>
+          <p:cNvSpPr txBox="1">
+            <a:spLocks/>
+          </p:cNvSpPr>
+          <p:nvPr/>
+        </p:nvSpPr>
+        <p:spPr>
+          <a:xfrm>
+            <a:off x="914400" y="4926834"/>
+            <a:ext cx="2164080" cy="732155"/>
+          </a:xfrm>
+          <a:prstGeom prst="rect">
+            <a:avLst/>
+          </a:prstGeom>
+        </p:spPr>
+        <p:txBody>
+          <a:bodyPr vert="horz" lIns="91440" tIns="45720" rIns="91440" bIns="45720" rtlCol="0" anchor="ctr">
+            <a:normAutofit/>
+          </a:bodyPr>
+          <a:lstStyle>
+            <a:lvl1pPr algn="l" defTabSz="914400" rtl="0" eaLnBrk="1" latinLnBrk="0" hangingPunct="1">
+              <a:lnSpc>
+                <a:spcPct val="90000"/>
+              </a:lnSpc>
+              <a:spcBef>
+                <a:spcPct val="0"/>
+              </a:spcBef>
+              <a:buNone/>
+              <a:defRPr sz="4400" kern="1200">
+                <a:solidFill>
+                  <a:schemeClr val="tx1"/>
+                </a:solidFill>
+                <a:latin typeface="+mj-lt"/>
+                <a:ea typeface="+mj-ea"/>
+                <a:cs typeface="+mj-cs"/>
+              </a:defRPr>
+            </a:lvl1pPr>
+          </a:lstStyle>
+          <a:p>
+            <a:r>
+              <a:rPr lang="fr-FR" sz="1800" b="1" dirty="0">
+                <a:solidFill>
+                  <a:srgbClr val="C00000"/>
+                </a:solidFill>
+              </a:rPr>
+              <a:t>Ssd1</a:t>
+            </a:r>
+          </a:p>
+        </p:txBody>
+      </p:sp>
+      <p:pic>
+        <p:nvPicPr>
+          <p:cNvPr id="12" name="Image 11">
+            <a:extLst>
+              <a:ext uri="{FF2B5EF4-FFF2-40B4-BE49-F238E27FC236}">
+                <a16:creationId xmlns:a16="http://schemas.microsoft.com/office/drawing/2014/main" id="{BD51A2DF-509A-EBA3-CE3A-B8F0E8F9567A}"/>
+              </a:ext>
+            </a:extLst>
+          </p:cNvPr>
+          <p:cNvPicPr/>
+          <p:nvPr/>
+        </p:nvPicPr>
+        <p:blipFill>
+          <a:blip r:embed="rId4"/>
+          <a:stretch/>
+        </p:blipFill>
+        <p:spPr>
+          <a:xfrm>
+            <a:off x="5996560" y="1284415"/>
+            <a:ext cx="5456300" cy="3956612"/>
+          </a:xfrm>
+          <a:prstGeom prst="rect">
+            <a:avLst/>
+          </a:prstGeom>
+          <a:ln>
+            <a:noFill/>
+          </a:ln>
+        </p:spPr>
+      </p:pic>
+      <p:sp>
+        <p:nvSpPr>
+          <p:cNvPr id="14" name="Titre 1">
+            <a:extLst>
+              <a:ext uri="{FF2B5EF4-FFF2-40B4-BE49-F238E27FC236}">
+                <a16:creationId xmlns:a16="http://schemas.microsoft.com/office/drawing/2014/main" id="{A7CB7177-F39C-FC26-6EFC-61777A1EC313}"/>
+              </a:ext>
+            </a:extLst>
+          </p:cNvPr>
+          <p:cNvSpPr txBox="1">
+            <a:spLocks/>
+          </p:cNvSpPr>
+          <p:nvPr/>
+        </p:nvSpPr>
+        <p:spPr>
+          <a:xfrm>
+            <a:off x="6248400" y="5243304"/>
+            <a:ext cx="5943600" cy="1441204"/>
+          </a:xfrm>
+          <a:prstGeom prst="rect">
+            <a:avLst/>
+          </a:prstGeom>
+        </p:spPr>
+        <p:txBody>
+          <a:bodyPr vert="horz" lIns="91440" tIns="45720" rIns="91440" bIns="45720" rtlCol="0" anchor="ctr">
+            <a:normAutofit/>
+          </a:bodyPr>
+          <a:lstStyle>
+            <a:lvl1pPr algn="l" defTabSz="914400" rtl="0" eaLnBrk="1" latinLnBrk="0" hangingPunct="1">
+              <a:lnSpc>
+                <a:spcPct val="90000"/>
+              </a:lnSpc>
+              <a:spcBef>
+                <a:spcPct val="0"/>
+              </a:spcBef>
+              <a:buNone/>
+              <a:defRPr sz="4400" kern="1200">
+                <a:solidFill>
+                  <a:schemeClr val="tx1"/>
+                </a:solidFill>
+                <a:latin typeface="+mj-lt"/>
+                <a:ea typeface="+mj-ea"/>
+                <a:cs typeface="+mj-cs"/>
+              </a:defRPr>
+            </a:lvl1pPr>
+          </a:lstStyle>
+          <a:p>
+            <a:r>
+              <a:rPr lang="fr-FR" sz="1800" b="1" u="sng" dirty="0"/>
+              <a:t>KEYNOTE:</a:t>
+            </a:r>
+            <a:r>
+              <a:rPr lang="fr-FR" sz="1800" b="1" dirty="0"/>
+              <a:t> 1 Ssd1 motif: ~</a:t>
+            </a:r>
+            <a:r>
+              <a:rPr lang="fr-FR" sz="1800" b="1" dirty="0">
+                <a:solidFill>
+                  <a:schemeClr val="tx2"/>
+                </a:solidFill>
+              </a:rPr>
+              <a:t>5% </a:t>
+            </a:r>
+            <a:r>
+              <a:rPr lang="fr-FR" sz="1800" b="1" dirty="0" err="1">
+                <a:solidFill>
+                  <a:schemeClr val="tx2"/>
+                </a:solidFill>
+              </a:rPr>
+              <a:t>protein</a:t>
+            </a:r>
+            <a:r>
+              <a:rPr lang="fr-FR" sz="1800" b="1" dirty="0">
+                <a:solidFill>
+                  <a:schemeClr val="tx2"/>
+                </a:solidFill>
+              </a:rPr>
+              <a:t> production </a:t>
+            </a:r>
+            <a:r>
+              <a:rPr lang="fr-FR" sz="1800" b="1" dirty="0" err="1">
+                <a:solidFill>
+                  <a:schemeClr val="tx2"/>
+                </a:solidFill>
+              </a:rPr>
+              <a:t>decrease</a:t>
+            </a:r>
+            <a:endParaRPr lang="fr-FR" sz="1800" b="1" dirty="0">
+              <a:solidFill>
+                <a:schemeClr val="tx2"/>
+              </a:solidFill>
+            </a:endParaRPr>
+          </a:p>
+          <a:p>
+            <a:r>
+              <a:rPr lang="fr-FR" sz="1800" b="1" dirty="0"/>
+              <a:t>	2 Ssd1 motifs: </a:t>
+            </a:r>
+            <a:r>
+              <a:rPr lang="fr-FR" sz="1800" b="1" dirty="0">
+                <a:solidFill>
+                  <a:srgbClr val="7030A0"/>
+                </a:solidFill>
+              </a:rPr>
+              <a:t>~30% </a:t>
+            </a:r>
+            <a:r>
+              <a:rPr lang="fr-FR" sz="1800" b="1" dirty="0" err="1">
+                <a:solidFill>
+                  <a:srgbClr val="7030A0"/>
+                </a:solidFill>
+              </a:rPr>
+              <a:t>protein</a:t>
+            </a:r>
+            <a:r>
+              <a:rPr lang="fr-FR" sz="1800" b="1" dirty="0">
+                <a:solidFill>
+                  <a:srgbClr val="7030A0"/>
+                </a:solidFill>
+              </a:rPr>
+              <a:t> production </a:t>
+            </a:r>
+            <a:r>
+              <a:rPr lang="fr-FR" sz="1800" b="1" dirty="0" err="1">
+                <a:solidFill>
+                  <a:srgbClr val="7030A0"/>
+                </a:solidFill>
+              </a:rPr>
+              <a:t>decrease</a:t>
+            </a:r>
+            <a:endParaRPr lang="fr-FR" sz="1800" b="1" dirty="0">
+              <a:solidFill>
+                <a:srgbClr val="7030A0"/>
+              </a:solidFill>
+            </a:endParaRPr>
+          </a:p>
+          <a:p>
+            <a:endParaRPr lang="fr-FR" sz="1800" b="1" dirty="0">
+              <a:solidFill>
+                <a:srgbClr val="C00000"/>
+              </a:solidFill>
+            </a:endParaRPr>
+          </a:p>
+          <a:p>
+            <a:endParaRPr lang="fr-FR" sz="1800" b="1" i="1" dirty="0">
+              <a:solidFill>
+                <a:srgbClr val="C00000"/>
+              </a:solidFill>
+            </a:endParaRPr>
+          </a:p>
+        </p:txBody>
+      </p:sp>
+      <p:sp>
+        <p:nvSpPr>
+          <p:cNvPr id="15" name="Croix 14">
+            <a:extLst>
+              <a:ext uri="{FF2B5EF4-FFF2-40B4-BE49-F238E27FC236}">
+                <a16:creationId xmlns:a16="http://schemas.microsoft.com/office/drawing/2014/main" id="{CF941F98-36E0-E12E-BB0C-925DAA46CE02}"/>
+              </a:ext>
+            </a:extLst>
+          </p:cNvPr>
+          <p:cNvSpPr/>
+          <p:nvPr/>
+        </p:nvSpPr>
+        <p:spPr>
+          <a:xfrm rot="2555312">
+            <a:off x="10272986" y="6386906"/>
+            <a:ext cx="303109" cy="286856"/>
+          </a:xfrm>
+          <a:prstGeom prst="plus">
+            <a:avLst>
+              <a:gd name="adj" fmla="val 36162"/>
+            </a:avLst>
+          </a:prstGeom>
+          <a:solidFill>
+            <a:srgbClr val="C00000"/>
           </a:solidFill>
           <a:ln>
             <a:noFill/>
@@ -4854,7 +6070,13 @@
   <p:cSld>
     <p:spTree>
       <p:nvGrpSpPr>
-        <p:cNvPr id="1" name=""/>
+        <p:cNvPr id="1" name="">
+          <a:extLst>
+            <a:ext uri="{FF2B5EF4-FFF2-40B4-BE49-F238E27FC236}">
+              <a16:creationId xmlns:a16="http://schemas.microsoft.com/office/drawing/2014/main" id="{625662F4-392D-7455-7A40-4A9E9C1295AA}"/>
+            </a:ext>
+          </a:extLst>
+        </p:cNvPr>
         <p:cNvGrpSpPr/>
         <p:nvPr/>
       </p:nvGrpSpPr>
@@ -4868,10 +6090,54 @@
       </p:grpSpPr>
       <p:sp>
         <p:nvSpPr>
+          <p:cNvPr id="2" name="Titre 1">
+            <a:extLst>
+              <a:ext uri="{FF2B5EF4-FFF2-40B4-BE49-F238E27FC236}">
+                <a16:creationId xmlns:a16="http://schemas.microsoft.com/office/drawing/2014/main" id="{F35886DE-809E-FF7F-8375-B816CDC27FB2}"/>
+              </a:ext>
+            </a:extLst>
+          </p:cNvPr>
+          <p:cNvSpPr>
+            <a:spLocks noGrp="1"/>
+          </p:cNvSpPr>
+          <p:nvPr>
+            <p:ph type="title"/>
+          </p:nvPr>
+        </p:nvSpPr>
+        <p:spPr/>
+        <p:txBody>
+          <a:bodyPr/>
+          <a:lstStyle/>
+          <a:p>
+            <a:r>
+              <a:rPr lang="fr-FR" dirty="0"/>
+              <a:t>Ssd1, a </a:t>
+            </a:r>
+            <a:r>
+              <a:rPr lang="fr-FR" dirty="0" err="1"/>
+              <a:t>hypothetical</a:t>
+            </a:r>
+            <a:r>
+              <a:rPr lang="fr-FR" dirty="0"/>
+              <a:t> translation </a:t>
+            </a:r>
+            <a:r>
+              <a:rPr lang="fr-FR" dirty="0" err="1"/>
+              <a:t>roadblock</a:t>
+            </a:r>
+            <a:r>
+              <a:rPr lang="fr-FR" dirty="0"/>
+              <a:t> </a:t>
+            </a:r>
+          </a:p>
+        </p:txBody>
+      </p:sp>
+      <p:sp>
+        <p:nvSpPr>
           <p:cNvPr id="4" name="Espace réservé du numéro de diapositive 3">
             <a:extLst>
               <a:ext uri="{FF2B5EF4-FFF2-40B4-BE49-F238E27FC236}">
-                <a16:creationId xmlns:a16="http://schemas.microsoft.com/office/drawing/2014/main" id="{A189F35F-D944-DDEB-9887-D3DB1170EEDE}"/>
+                <a16:creationId xmlns:a16="http://schemas.microsoft.com/office/drawing/2014/main" id="{1016CA10-D8EF-D36C-AB07-9F17388C3AE3}"/>
               </a:ext>
             </a:extLst>
           </p:cNvPr>
@@ -4900,7 +6166,7 @@
           <p:cNvPr id="5" name="Espace réservé du numéro de diapositive 3">
             <a:extLst>
               <a:ext uri="{FF2B5EF4-FFF2-40B4-BE49-F238E27FC236}">
-                <a16:creationId xmlns:a16="http://schemas.microsoft.com/office/drawing/2014/main" id="{0EFFCE0E-C175-478B-6D6F-596061B74C9D}"/>
+                <a16:creationId xmlns:a16="http://schemas.microsoft.com/office/drawing/2014/main" id="{3EA4FD7F-C57B-F290-2E0B-97407E1B4492}"/>
               </a:ext>
             </a:extLst>
           </p:cNvPr>
@@ -4911,7 +6177,7 @@
         </p:nvSpPr>
         <p:spPr>
           <a:xfrm>
-            <a:off x="8610600" y="6356350"/>
+            <a:off x="8709660" y="6289991"/>
             <a:ext cx="2743200" cy="365125"/>
           </a:xfrm>
           <a:prstGeom prst="rect">
@@ -5018,12 +6284,7 @@
             </a:lvl9pPr>
           </a:lstStyle>
           <a:p>
-            <a:fld id="{BF75FECA-9BC9-4A5E-BB8B-D085B27CAF2D}" type="slidenum">
-              <a:rPr lang="en-GB" smtClean="0"/>
-              <a:pPr/>
-              <a:t>4</a:t>
-            </a:fld>
-            <a:endParaRPr lang="en-GB"/>
+            <a:endParaRPr lang="en-GB" dirty="0"/>
           </a:p>
         </p:txBody>
       </p:sp>
@@ -5032,7 +6293,7 @@
           <p:cNvPr id="6" name="Rectangle : coins arrondis 5">
             <a:extLst>
               <a:ext uri="{FF2B5EF4-FFF2-40B4-BE49-F238E27FC236}">
-                <a16:creationId xmlns:a16="http://schemas.microsoft.com/office/drawing/2014/main" id="{F55AFDB4-119C-EFD6-CA0D-66A5311CF7D5}"/>
+                <a16:creationId xmlns:a16="http://schemas.microsoft.com/office/drawing/2014/main" id="{9A5A1665-CEBD-0A4C-F554-0C27CCDCD5CF}"/>
               </a:ext>
             </a:extLst>
           </p:cNvPr>
@@ -5084,7 +6345,7 @@
           <p:cNvPr id="7" name="Rectangle : coins arrondis 6">
             <a:extLst>
               <a:ext uri="{FF2B5EF4-FFF2-40B4-BE49-F238E27FC236}">
-                <a16:creationId xmlns:a16="http://schemas.microsoft.com/office/drawing/2014/main" id="{1B63A639-2879-9F57-5539-C01F64A00510}"/>
+                <a16:creationId xmlns:a16="http://schemas.microsoft.com/office/drawing/2014/main" id="{1F912669-E412-C174-983C-D4517DAA2774}"/>
               </a:ext>
             </a:extLst>
           </p:cNvPr>
@@ -5136,7 +6397,7 @@
           <p:cNvPr id="8" name="Rectangle : coins arrondis 7">
             <a:extLst>
               <a:ext uri="{FF2B5EF4-FFF2-40B4-BE49-F238E27FC236}">
-                <a16:creationId xmlns:a16="http://schemas.microsoft.com/office/drawing/2014/main" id="{E05E38FD-BAF7-59C2-D73E-7CF6F87CEBC7}"/>
+                <a16:creationId xmlns:a16="http://schemas.microsoft.com/office/drawing/2014/main" id="{C86C737B-705B-F333-7340-D7616DE37717}"/>
               </a:ext>
             </a:extLst>
           </p:cNvPr>
@@ -5188,7 +6449,7 @@
           <p:cNvPr id="9" name="Ellipse 8">
             <a:extLst>
               <a:ext uri="{FF2B5EF4-FFF2-40B4-BE49-F238E27FC236}">
-                <a16:creationId xmlns:a16="http://schemas.microsoft.com/office/drawing/2014/main" id="{0D209CAF-1A2C-5571-0E22-586D176FE387}"/>
+                <a16:creationId xmlns:a16="http://schemas.microsoft.com/office/drawing/2014/main" id="{CE5BB4F2-A0B5-F9C9-27E5-BDEFC72961B6}"/>
               </a:ext>
             </a:extLst>
           </p:cNvPr>
@@ -5197,7 +6458,7 @@
         </p:nvSpPr>
         <p:spPr>
           <a:xfrm>
-            <a:off x="10378440" y="6472235"/>
+            <a:off x="9822180" y="6461916"/>
             <a:ext cx="144780" cy="167642"/>
           </a:xfrm>
           <a:prstGeom prst="ellipse">
@@ -5235,6 +6496,674 @@
           </a:p>
         </p:txBody>
       </p:sp>
+      <p:pic>
+        <p:nvPicPr>
+          <p:cNvPr id="10" name="Image 9">
+            <a:extLst>
+              <a:ext uri="{FF2B5EF4-FFF2-40B4-BE49-F238E27FC236}">
+                <a16:creationId xmlns:a16="http://schemas.microsoft.com/office/drawing/2014/main" id="{8322BD06-3C1C-3103-3812-DFCF5A9EB7C7}"/>
+              </a:ext>
+            </a:extLst>
+          </p:cNvPr>
+          <p:cNvPicPr>
+            <a:picLocks noChangeAspect="1"/>
+          </p:cNvPicPr>
+          <p:nvPr/>
+        </p:nvPicPr>
+        <p:blipFill>
+          <a:blip r:embed="rId3"/>
+          <a:stretch>
+            <a:fillRect/>
+          </a:stretch>
+        </p:blipFill>
+        <p:spPr>
+          <a:xfrm>
+            <a:off x="838200" y="1362204"/>
+            <a:ext cx="4578428" cy="4927787"/>
+          </a:xfrm>
+          <a:prstGeom prst="rect">
+            <a:avLst/>
+          </a:prstGeom>
+        </p:spPr>
+      </p:pic>
+      <p:sp>
+        <p:nvSpPr>
+          <p:cNvPr id="11" name="Titre 1">
+            <a:extLst>
+              <a:ext uri="{FF2B5EF4-FFF2-40B4-BE49-F238E27FC236}">
+                <a16:creationId xmlns:a16="http://schemas.microsoft.com/office/drawing/2014/main" id="{64B24900-2B32-CAAD-69A4-8D3683C0E2FF}"/>
+              </a:ext>
+            </a:extLst>
+          </p:cNvPr>
+          <p:cNvSpPr txBox="1">
+            <a:spLocks/>
+          </p:cNvSpPr>
+          <p:nvPr/>
+        </p:nvSpPr>
+        <p:spPr>
+          <a:xfrm>
+            <a:off x="914400" y="4926834"/>
+            <a:ext cx="2164080" cy="732155"/>
+          </a:xfrm>
+          <a:prstGeom prst="rect">
+            <a:avLst/>
+          </a:prstGeom>
+        </p:spPr>
+        <p:txBody>
+          <a:bodyPr vert="horz" lIns="91440" tIns="45720" rIns="91440" bIns="45720" rtlCol="0" anchor="ctr">
+            <a:normAutofit/>
+          </a:bodyPr>
+          <a:lstStyle>
+            <a:lvl1pPr algn="l" defTabSz="914400" rtl="0" eaLnBrk="1" latinLnBrk="0" hangingPunct="1">
+              <a:lnSpc>
+                <a:spcPct val="90000"/>
+              </a:lnSpc>
+              <a:spcBef>
+                <a:spcPct val="0"/>
+              </a:spcBef>
+              <a:buNone/>
+              <a:defRPr sz="4400" kern="1200">
+                <a:solidFill>
+                  <a:schemeClr val="tx1"/>
+                </a:solidFill>
+                <a:latin typeface="+mj-lt"/>
+                <a:ea typeface="+mj-ea"/>
+                <a:cs typeface="+mj-cs"/>
+              </a:defRPr>
+            </a:lvl1pPr>
+          </a:lstStyle>
+          <a:p>
+            <a:r>
+              <a:rPr lang="fr-FR" sz="1800" b="1" dirty="0">
+                <a:solidFill>
+                  <a:srgbClr val="C00000"/>
+                </a:solidFill>
+              </a:rPr>
+              <a:t>Ssd1</a:t>
+            </a:r>
+          </a:p>
+        </p:txBody>
+      </p:sp>
+      <p:pic>
+        <p:nvPicPr>
+          <p:cNvPr id="12" name="Image 11">
+            <a:extLst>
+              <a:ext uri="{FF2B5EF4-FFF2-40B4-BE49-F238E27FC236}">
+                <a16:creationId xmlns:a16="http://schemas.microsoft.com/office/drawing/2014/main" id="{360E22CF-10E9-2591-88AB-34E3FA1BFC19}"/>
+              </a:ext>
+            </a:extLst>
+          </p:cNvPr>
+          <p:cNvPicPr/>
+          <p:nvPr/>
+        </p:nvPicPr>
+        <p:blipFill>
+          <a:blip r:embed="rId4"/>
+          <a:stretch/>
+        </p:blipFill>
+        <p:spPr>
+          <a:xfrm>
+            <a:off x="5996560" y="1284415"/>
+            <a:ext cx="5456300" cy="3956612"/>
+          </a:xfrm>
+          <a:prstGeom prst="rect">
+            <a:avLst/>
+          </a:prstGeom>
+          <a:ln>
+            <a:noFill/>
+          </a:ln>
+        </p:spPr>
+      </p:pic>
+      <p:sp>
+        <p:nvSpPr>
+          <p:cNvPr id="14" name="Titre 1">
+            <a:extLst>
+              <a:ext uri="{FF2B5EF4-FFF2-40B4-BE49-F238E27FC236}">
+                <a16:creationId xmlns:a16="http://schemas.microsoft.com/office/drawing/2014/main" id="{1984FE89-72CC-2344-6827-DB906C1705F5}"/>
+              </a:ext>
+            </a:extLst>
+          </p:cNvPr>
+          <p:cNvSpPr txBox="1">
+            <a:spLocks/>
+          </p:cNvSpPr>
+          <p:nvPr/>
+        </p:nvSpPr>
+        <p:spPr>
+          <a:xfrm>
+            <a:off x="6248400" y="5243304"/>
+            <a:ext cx="5943600" cy="1441204"/>
+          </a:xfrm>
+          <a:prstGeom prst="rect">
+            <a:avLst/>
+          </a:prstGeom>
+        </p:spPr>
+        <p:txBody>
+          <a:bodyPr vert="horz" lIns="91440" tIns="45720" rIns="91440" bIns="45720" rtlCol="0" anchor="ctr">
+            <a:normAutofit/>
+          </a:bodyPr>
+          <a:lstStyle>
+            <a:lvl1pPr algn="l" defTabSz="914400" rtl="0" eaLnBrk="1" latinLnBrk="0" hangingPunct="1">
+              <a:lnSpc>
+                <a:spcPct val="90000"/>
+              </a:lnSpc>
+              <a:spcBef>
+                <a:spcPct val="0"/>
+              </a:spcBef>
+              <a:buNone/>
+              <a:defRPr sz="4400" kern="1200">
+                <a:solidFill>
+                  <a:schemeClr val="tx1"/>
+                </a:solidFill>
+                <a:latin typeface="+mj-lt"/>
+                <a:ea typeface="+mj-ea"/>
+                <a:cs typeface="+mj-cs"/>
+              </a:defRPr>
+            </a:lvl1pPr>
+          </a:lstStyle>
+          <a:p>
+            <a:r>
+              <a:rPr lang="fr-FR" sz="1800" b="1" u="sng" dirty="0"/>
+              <a:t>KEYNOTE:</a:t>
+            </a:r>
+            <a:r>
+              <a:rPr lang="fr-FR" sz="1800" b="1" dirty="0"/>
+              <a:t> 1 Ssd1 motif: ~</a:t>
+            </a:r>
+            <a:r>
+              <a:rPr lang="fr-FR" sz="1800" b="1" dirty="0">
+                <a:solidFill>
+                  <a:schemeClr val="tx2"/>
+                </a:solidFill>
+              </a:rPr>
+              <a:t>5% </a:t>
+            </a:r>
+            <a:r>
+              <a:rPr lang="fr-FR" sz="1800" b="1" dirty="0" err="1">
+                <a:solidFill>
+                  <a:schemeClr val="tx2"/>
+                </a:solidFill>
+              </a:rPr>
+              <a:t>protein</a:t>
+            </a:r>
+            <a:r>
+              <a:rPr lang="fr-FR" sz="1800" b="1" dirty="0">
+                <a:solidFill>
+                  <a:schemeClr val="tx2"/>
+                </a:solidFill>
+              </a:rPr>
+              <a:t> production </a:t>
+            </a:r>
+            <a:r>
+              <a:rPr lang="fr-FR" sz="1800" b="1" dirty="0" err="1">
+                <a:solidFill>
+                  <a:schemeClr val="tx2"/>
+                </a:solidFill>
+              </a:rPr>
+              <a:t>decrease</a:t>
+            </a:r>
+            <a:endParaRPr lang="fr-FR" sz="1800" b="1" dirty="0">
+              <a:solidFill>
+                <a:schemeClr val="tx2"/>
+              </a:solidFill>
+            </a:endParaRPr>
+          </a:p>
+          <a:p>
+            <a:r>
+              <a:rPr lang="fr-FR" sz="1800" b="1" dirty="0"/>
+              <a:t>	2 Ssd1 motifs: </a:t>
+            </a:r>
+            <a:r>
+              <a:rPr lang="fr-FR" sz="1800" b="1" dirty="0">
+                <a:solidFill>
+                  <a:srgbClr val="7030A0"/>
+                </a:solidFill>
+              </a:rPr>
+              <a:t>~30% </a:t>
+            </a:r>
+            <a:r>
+              <a:rPr lang="fr-FR" sz="1800" b="1" dirty="0" err="1">
+                <a:solidFill>
+                  <a:srgbClr val="7030A0"/>
+                </a:solidFill>
+              </a:rPr>
+              <a:t>protein</a:t>
+            </a:r>
+            <a:r>
+              <a:rPr lang="fr-FR" sz="1800" b="1" dirty="0">
+                <a:solidFill>
+                  <a:srgbClr val="7030A0"/>
+                </a:solidFill>
+              </a:rPr>
+              <a:t> production </a:t>
+            </a:r>
+            <a:r>
+              <a:rPr lang="fr-FR" sz="1800" b="1" dirty="0" err="1">
+                <a:solidFill>
+                  <a:srgbClr val="7030A0"/>
+                </a:solidFill>
+              </a:rPr>
+              <a:t>decrease</a:t>
+            </a:r>
+            <a:endParaRPr lang="fr-FR" sz="1800" b="1" dirty="0">
+              <a:solidFill>
+                <a:srgbClr val="7030A0"/>
+              </a:solidFill>
+            </a:endParaRPr>
+          </a:p>
+          <a:p>
+            <a:endParaRPr lang="fr-FR" sz="1800" b="1" dirty="0">
+              <a:solidFill>
+                <a:srgbClr val="C00000"/>
+              </a:solidFill>
+            </a:endParaRPr>
+          </a:p>
+          <a:p>
+            <a:endParaRPr lang="fr-FR" sz="1800" b="1" i="1" dirty="0">
+              <a:solidFill>
+                <a:srgbClr val="C00000"/>
+              </a:solidFill>
+            </a:endParaRPr>
+          </a:p>
+        </p:txBody>
+      </p:sp>
+    </p:spTree>
+    <p:extLst>
+      <p:ext uri="{BB962C8B-B14F-4D97-AF65-F5344CB8AC3E}">
+        <p14:creationId xmlns:p14="http://schemas.microsoft.com/office/powerpoint/2010/main" val="2812723747"/>
+      </p:ext>
+    </p:extLst>
+  </p:cSld>
+  <p:clrMapOvr>
+    <a:masterClrMapping/>
+  </p:clrMapOvr>
+</p:sld>
+</file>
+
+<file path=ppt/slides/slide5.xml><?xml version="1.0" encoding="utf-8"?>
+<p:sld xmlns:a="http://schemas.openxmlformats.org/drawingml/2006/main" xmlns:r="http://schemas.openxmlformats.org/officeDocument/2006/relationships" xmlns:p="http://schemas.openxmlformats.org/presentationml/2006/main">
+  <p:cSld>
+    <p:spTree>
+      <p:nvGrpSpPr>
+        <p:cNvPr id="1" name=""/>
+        <p:cNvGrpSpPr/>
+        <p:nvPr/>
+      </p:nvGrpSpPr>
+      <p:grpSpPr>
+        <a:xfrm>
+          <a:off x="0" y="0"/>
+          <a:ext cx="0" cy="0"/>
+          <a:chOff x="0" y="0"/>
+          <a:chExt cx="0" cy="0"/>
+        </a:xfrm>
+      </p:grpSpPr>
+      <p:sp>
+        <p:nvSpPr>
+          <p:cNvPr id="4" name="Espace réservé du numéro de diapositive 3">
+            <a:extLst>
+              <a:ext uri="{FF2B5EF4-FFF2-40B4-BE49-F238E27FC236}">
+                <a16:creationId xmlns:a16="http://schemas.microsoft.com/office/drawing/2014/main" id="{A189F35F-D944-DDEB-9887-D3DB1170EEDE}"/>
+              </a:ext>
+            </a:extLst>
+          </p:cNvPr>
+          <p:cNvSpPr>
+            <a:spLocks noGrp="1"/>
+          </p:cNvSpPr>
+          <p:nvPr>
+            <p:ph type="sldNum" sz="quarter" idx="12"/>
+          </p:nvPr>
+        </p:nvSpPr>
+        <p:spPr/>
+        <p:txBody>
+          <a:bodyPr/>
+          <a:lstStyle/>
+          <a:p>
+            <a:fld id="{BF75FECA-9BC9-4A5E-BB8B-D085B27CAF2D}" type="slidenum">
+              <a:rPr lang="en-GB" smtClean="0"/>
+              <a:t>5</a:t>
+            </a:fld>
+            <a:endParaRPr lang="en-GB"/>
+          </a:p>
+        </p:txBody>
+      </p:sp>
+      <p:sp>
+        <p:nvSpPr>
+          <p:cNvPr id="5" name="Espace réservé du numéro de diapositive 3">
+            <a:extLst>
+              <a:ext uri="{FF2B5EF4-FFF2-40B4-BE49-F238E27FC236}">
+                <a16:creationId xmlns:a16="http://schemas.microsoft.com/office/drawing/2014/main" id="{0EFFCE0E-C175-478B-6D6F-596061B74C9D}"/>
+              </a:ext>
+            </a:extLst>
+          </p:cNvPr>
+          <p:cNvSpPr txBox="1">
+            <a:spLocks/>
+          </p:cNvSpPr>
+          <p:nvPr/>
+        </p:nvSpPr>
+        <p:spPr>
+          <a:xfrm>
+            <a:off x="8610600" y="6356350"/>
+            <a:ext cx="2743200" cy="365125"/>
+          </a:xfrm>
+          <a:prstGeom prst="rect">
+            <a:avLst/>
+          </a:prstGeom>
+        </p:spPr>
+        <p:txBody>
+          <a:bodyPr vert="horz" lIns="91440" tIns="45720" rIns="91440" bIns="45720" rtlCol="0" anchor="ctr"/>
+          <a:lstStyle>
+            <a:defPPr>
+              <a:defRPr lang="en-US"/>
+            </a:defPPr>
+            <a:lvl1pPr marL="0" algn="r" defTabSz="914400" rtl="0" eaLnBrk="1" latinLnBrk="0" hangingPunct="1">
+              <a:defRPr sz="1200" kern="1200">
+                <a:solidFill>
+                  <a:schemeClr val="tx1">
+                    <a:tint val="75000"/>
+                  </a:schemeClr>
+                </a:solidFill>
+                <a:latin typeface="+mn-lt"/>
+                <a:ea typeface="+mn-ea"/>
+                <a:cs typeface="+mn-cs"/>
+              </a:defRPr>
+            </a:lvl1pPr>
+            <a:lvl2pPr marL="457200" algn="l" defTabSz="914400" rtl="0" eaLnBrk="1" latinLnBrk="0" hangingPunct="1">
+              <a:defRPr sz="1800" kern="1200">
+                <a:solidFill>
+                  <a:schemeClr val="tx1"/>
+                </a:solidFill>
+                <a:latin typeface="+mn-lt"/>
+                <a:ea typeface="+mn-ea"/>
+                <a:cs typeface="+mn-cs"/>
+              </a:defRPr>
+            </a:lvl2pPr>
+            <a:lvl3pPr marL="914400" algn="l" defTabSz="914400" rtl="0" eaLnBrk="1" latinLnBrk="0" hangingPunct="1">
+              <a:defRPr sz="1800" kern="1200">
+                <a:solidFill>
+                  <a:schemeClr val="tx1"/>
+                </a:solidFill>
+                <a:latin typeface="+mn-lt"/>
+                <a:ea typeface="+mn-ea"/>
+                <a:cs typeface="+mn-cs"/>
+              </a:defRPr>
+            </a:lvl3pPr>
+            <a:lvl4pPr marL="1371600" algn="l" defTabSz="914400" rtl="0" eaLnBrk="1" latinLnBrk="0" hangingPunct="1">
+              <a:defRPr sz="1800" kern="1200">
+                <a:solidFill>
+                  <a:schemeClr val="tx1"/>
+                </a:solidFill>
+                <a:latin typeface="+mn-lt"/>
+                <a:ea typeface="+mn-ea"/>
+                <a:cs typeface="+mn-cs"/>
+              </a:defRPr>
+            </a:lvl4pPr>
+            <a:lvl5pPr marL="1828800" algn="l" defTabSz="914400" rtl="0" eaLnBrk="1" latinLnBrk="0" hangingPunct="1">
+              <a:defRPr sz="1800" kern="1200">
+                <a:solidFill>
+                  <a:schemeClr val="tx1"/>
+                </a:solidFill>
+                <a:latin typeface="+mn-lt"/>
+                <a:ea typeface="+mn-ea"/>
+                <a:cs typeface="+mn-cs"/>
+              </a:defRPr>
+            </a:lvl5pPr>
+            <a:lvl6pPr marL="2286000" algn="l" defTabSz="914400" rtl="0" eaLnBrk="1" latinLnBrk="0" hangingPunct="1">
+              <a:defRPr sz="1800" kern="1200">
+                <a:solidFill>
+                  <a:schemeClr val="tx1"/>
+                </a:solidFill>
+                <a:latin typeface="+mn-lt"/>
+                <a:ea typeface="+mn-ea"/>
+                <a:cs typeface="+mn-cs"/>
+              </a:defRPr>
+            </a:lvl6pPr>
+            <a:lvl7pPr marL="2743200" algn="l" defTabSz="914400" rtl="0" eaLnBrk="1" latinLnBrk="0" hangingPunct="1">
+              <a:defRPr sz="1800" kern="1200">
+                <a:solidFill>
+                  <a:schemeClr val="tx1"/>
+                </a:solidFill>
+                <a:latin typeface="+mn-lt"/>
+                <a:ea typeface="+mn-ea"/>
+                <a:cs typeface="+mn-cs"/>
+              </a:defRPr>
+            </a:lvl7pPr>
+            <a:lvl8pPr marL="3200400" algn="l" defTabSz="914400" rtl="0" eaLnBrk="1" latinLnBrk="0" hangingPunct="1">
+              <a:defRPr sz="1800" kern="1200">
+                <a:solidFill>
+                  <a:schemeClr val="tx1"/>
+                </a:solidFill>
+                <a:latin typeface="+mn-lt"/>
+                <a:ea typeface="+mn-ea"/>
+                <a:cs typeface="+mn-cs"/>
+              </a:defRPr>
+            </a:lvl8pPr>
+            <a:lvl9pPr marL="3657600" algn="l" defTabSz="914400" rtl="0" eaLnBrk="1" latinLnBrk="0" hangingPunct="1">
+              <a:defRPr sz="1800" kern="1200">
+                <a:solidFill>
+                  <a:schemeClr val="tx1"/>
+                </a:solidFill>
+                <a:latin typeface="+mn-lt"/>
+                <a:ea typeface="+mn-ea"/>
+                <a:cs typeface="+mn-cs"/>
+              </a:defRPr>
+            </a:lvl9pPr>
+          </a:lstStyle>
+          <a:p>
+            <a:fld id="{BF75FECA-9BC9-4A5E-BB8B-D085B27CAF2D}" type="slidenum">
+              <a:rPr lang="en-GB" smtClean="0"/>
+              <a:pPr/>
+              <a:t>5</a:t>
+            </a:fld>
+            <a:endParaRPr lang="en-GB"/>
+          </a:p>
+        </p:txBody>
+      </p:sp>
+      <p:sp>
+        <p:nvSpPr>
+          <p:cNvPr id="6" name="Rectangle : coins arrondis 5">
+            <a:extLst>
+              <a:ext uri="{FF2B5EF4-FFF2-40B4-BE49-F238E27FC236}">
+                <a16:creationId xmlns:a16="http://schemas.microsoft.com/office/drawing/2014/main" id="{F55AFDB4-119C-EFD6-CA0D-66A5311CF7D5}"/>
+              </a:ext>
+            </a:extLst>
+          </p:cNvPr>
+          <p:cNvSpPr/>
+          <p:nvPr/>
+        </p:nvSpPr>
+        <p:spPr>
+          <a:xfrm>
+            <a:off x="9067800" y="6397624"/>
+            <a:ext cx="556260" cy="282575"/>
+          </a:xfrm>
+          <a:prstGeom prst="roundRect">
+            <a:avLst/>
+          </a:prstGeom>
+          <a:noFill/>
+          <a:ln>
+            <a:solidFill>
+              <a:schemeClr val="tx1"/>
+            </a:solidFill>
+          </a:ln>
+        </p:spPr>
+        <p:style>
+          <a:lnRef idx="2">
+            <a:schemeClr val="accent1">
+              <a:shade val="15000"/>
+            </a:schemeClr>
+          </a:lnRef>
+          <a:fillRef idx="1">
+            <a:schemeClr val="accent1"/>
+          </a:fillRef>
+          <a:effectRef idx="0">
+            <a:schemeClr val="accent1"/>
+          </a:effectRef>
+          <a:fontRef idx="minor">
+            <a:schemeClr val="lt1"/>
+          </a:fontRef>
+        </p:style>
+        <p:txBody>
+          <a:bodyPr rtlCol="0" anchor="ctr"/>
+          <a:lstStyle/>
+          <a:p>
+            <a:pPr algn="ctr"/>
+            <a:endParaRPr lang="fr-FR"/>
+          </a:p>
+        </p:txBody>
+      </p:sp>
+      <p:sp>
+        <p:nvSpPr>
+          <p:cNvPr id="7" name="Rectangle : coins arrondis 6">
+            <a:extLst>
+              <a:ext uri="{FF2B5EF4-FFF2-40B4-BE49-F238E27FC236}">
+                <a16:creationId xmlns:a16="http://schemas.microsoft.com/office/drawing/2014/main" id="{1B63A639-2879-9F57-5539-C01F64A00510}"/>
+              </a:ext>
+            </a:extLst>
+          </p:cNvPr>
+          <p:cNvSpPr/>
+          <p:nvPr/>
+        </p:nvSpPr>
+        <p:spPr>
+          <a:xfrm>
+            <a:off x="9616440" y="6397624"/>
+            <a:ext cx="556260" cy="282575"/>
+          </a:xfrm>
+          <a:prstGeom prst="roundRect">
+            <a:avLst/>
+          </a:prstGeom>
+          <a:noFill/>
+          <a:ln>
+            <a:solidFill>
+              <a:schemeClr val="tx1"/>
+            </a:solidFill>
+          </a:ln>
+        </p:spPr>
+        <p:style>
+          <a:lnRef idx="2">
+            <a:schemeClr val="accent1">
+              <a:shade val="15000"/>
+            </a:schemeClr>
+          </a:lnRef>
+          <a:fillRef idx="1">
+            <a:schemeClr val="accent1"/>
+          </a:fillRef>
+          <a:effectRef idx="0">
+            <a:schemeClr val="accent1"/>
+          </a:effectRef>
+          <a:fontRef idx="minor">
+            <a:schemeClr val="lt1"/>
+          </a:fontRef>
+        </p:style>
+        <p:txBody>
+          <a:bodyPr rtlCol="0" anchor="ctr"/>
+          <a:lstStyle/>
+          <a:p>
+            <a:pPr algn="ctr"/>
+            <a:endParaRPr lang="fr-FR"/>
+          </a:p>
+        </p:txBody>
+      </p:sp>
+      <p:sp>
+        <p:nvSpPr>
+          <p:cNvPr id="8" name="Rectangle : coins arrondis 7">
+            <a:extLst>
+              <a:ext uri="{FF2B5EF4-FFF2-40B4-BE49-F238E27FC236}">
+                <a16:creationId xmlns:a16="http://schemas.microsoft.com/office/drawing/2014/main" id="{E05E38FD-BAF7-59C2-D73E-7CF6F87CEBC7}"/>
+              </a:ext>
+            </a:extLst>
+          </p:cNvPr>
+          <p:cNvSpPr/>
+          <p:nvPr/>
+        </p:nvSpPr>
+        <p:spPr>
+          <a:xfrm>
+            <a:off x="10165080" y="6397624"/>
+            <a:ext cx="556260" cy="282575"/>
+          </a:xfrm>
+          <a:prstGeom prst="roundRect">
+            <a:avLst/>
+          </a:prstGeom>
+          <a:noFill/>
+          <a:ln>
+            <a:solidFill>
+              <a:schemeClr val="tx1"/>
+            </a:solidFill>
+          </a:ln>
+        </p:spPr>
+        <p:style>
+          <a:lnRef idx="2">
+            <a:schemeClr val="accent1">
+              <a:shade val="15000"/>
+            </a:schemeClr>
+          </a:lnRef>
+          <a:fillRef idx="1">
+            <a:schemeClr val="accent1"/>
+          </a:fillRef>
+          <a:effectRef idx="0">
+            <a:schemeClr val="accent1"/>
+          </a:effectRef>
+          <a:fontRef idx="minor">
+            <a:schemeClr val="lt1"/>
+          </a:fontRef>
+        </p:style>
+        <p:txBody>
+          <a:bodyPr rtlCol="0" anchor="ctr"/>
+          <a:lstStyle/>
+          <a:p>
+            <a:pPr algn="ctr"/>
+            <a:endParaRPr lang="fr-FR"/>
+          </a:p>
+        </p:txBody>
+      </p:sp>
+      <p:sp>
+        <p:nvSpPr>
+          <p:cNvPr id="9" name="Ellipse 8">
+            <a:extLst>
+              <a:ext uri="{FF2B5EF4-FFF2-40B4-BE49-F238E27FC236}">
+                <a16:creationId xmlns:a16="http://schemas.microsoft.com/office/drawing/2014/main" id="{0D209CAF-1A2C-5571-0E22-586D176FE387}"/>
+              </a:ext>
+            </a:extLst>
+          </p:cNvPr>
+          <p:cNvSpPr/>
+          <p:nvPr/>
+        </p:nvSpPr>
+        <p:spPr>
+          <a:xfrm>
+            <a:off x="10378440" y="6472235"/>
+            <a:ext cx="144780" cy="167642"/>
+          </a:xfrm>
+          <a:prstGeom prst="ellipse">
+            <a:avLst/>
+          </a:prstGeom>
+          <a:solidFill>
+            <a:schemeClr val="tx1"/>
+          </a:solidFill>
+          <a:ln>
+            <a:noFill/>
+          </a:ln>
+        </p:spPr>
+        <p:style>
+          <a:lnRef idx="2">
+            <a:schemeClr val="accent1">
+              <a:shade val="15000"/>
+            </a:schemeClr>
+          </a:lnRef>
+          <a:fillRef idx="1">
+            <a:schemeClr val="accent1"/>
+          </a:fillRef>
+          <a:effectRef idx="0">
+            <a:schemeClr val="accent1"/>
+          </a:effectRef>
+          <a:fontRef idx="minor">
+            <a:schemeClr val="lt1"/>
+          </a:fontRef>
+        </p:style>
+        <p:txBody>
+          <a:bodyPr rtlCol="0" anchor="ctr"/>
+          <a:lstStyle/>
+          <a:p>
+            <a:pPr algn="ctr"/>
+            <a:endParaRPr lang="fr-FR"/>
+          </a:p>
+        </p:txBody>
+      </p:sp>
       <p:sp>
         <p:nvSpPr>
           <p:cNvPr id="10" name="Titre 1">
@@ -5253,7 +7182,7 @@
         </p:nvSpPr>
         <p:spPr>
           <a:xfrm>
-            <a:off x="838200" y="365125"/>
+            <a:off x="495300" y="0"/>
             <a:ext cx="10515600" cy="1325563"/>
           </a:xfrm>
         </p:spPr>
@@ -5332,6 +7261,36 @@
           </a:p>
         </p:txBody>
       </p:sp>
+      <p:pic>
+        <p:nvPicPr>
+          <p:cNvPr id="11" name="Image 10">
+            <a:extLst>
+              <a:ext uri="{FF2B5EF4-FFF2-40B4-BE49-F238E27FC236}">
+                <a16:creationId xmlns:a16="http://schemas.microsoft.com/office/drawing/2014/main" id="{73DC80AE-3AD2-1A23-0D6D-389C655C6093}"/>
+              </a:ext>
+            </a:extLst>
+          </p:cNvPr>
+          <p:cNvPicPr>
+            <a:picLocks noChangeAspect="1"/>
+          </p:cNvPicPr>
+          <p:nvPr/>
+        </p:nvPicPr>
+        <p:blipFill>
+          <a:blip r:embed="rId2"/>
+          <a:stretch>
+            <a:fillRect/>
+          </a:stretch>
+        </p:blipFill>
+        <p:spPr>
+          <a:xfrm>
+            <a:off x="2139146" y="1228848"/>
+            <a:ext cx="7650014" cy="5086226"/>
+          </a:xfrm>
+          <a:prstGeom prst="rect">
+            <a:avLst/>
+          </a:prstGeom>
+        </p:spPr>
+      </p:pic>
     </p:spTree>
     <p:extLst>
       <p:ext uri="{BB962C8B-B14F-4D97-AF65-F5344CB8AC3E}">
@@ -5345,7 +7304,7 @@
 </p:sld>
 </file>
 
-<file path=ppt/slides/slide5.xml><?xml version="1.0" encoding="utf-8"?>
+<file path=ppt/slides/slide6.xml><?xml version="1.0" encoding="utf-8"?>
 <p:sld xmlns:a="http://schemas.openxmlformats.org/drawingml/2006/main" xmlns:r="http://schemas.openxmlformats.org/officeDocument/2006/relationships" xmlns:p="http://schemas.openxmlformats.org/presentationml/2006/main">
   <p:cSld>
     <p:spTree>
@@ -5384,37 +7343,25 @@
             <p:ph type="title"/>
           </p:nvPr>
         </p:nvSpPr>
-        <p:spPr/>
+        <p:spPr>
+          <a:xfrm>
+            <a:off x="590550" y="69534"/>
+            <a:ext cx="10515600" cy="1325563"/>
+          </a:xfrm>
+        </p:spPr>
         <p:txBody>
           <a:bodyPr/>
           <a:lstStyle/>
           <a:p>
+            <a:r>
+              <a:rPr lang="fr-FR" dirty="0"/>
+              <a:t>The </a:t>
+            </a:r>
+            <a:r>
+              <a:rPr lang="fr-FR" dirty="0" err="1"/>
+              <a:t>parameters</a:t>
+            </a:r>
             <a:endParaRPr lang="fr-FR" dirty="0"/>
-          </a:p>
-        </p:txBody>
-      </p:sp>
-      <p:sp>
-        <p:nvSpPr>
-          <p:cNvPr id="3" name="Espace réservé du contenu 2">
-            <a:extLst>
-              <a:ext uri="{FF2B5EF4-FFF2-40B4-BE49-F238E27FC236}">
-                <a16:creationId xmlns:a16="http://schemas.microsoft.com/office/drawing/2014/main" id="{EFBEBCAA-D0FB-E462-DE71-FA4794BF1DFD}"/>
-              </a:ext>
-            </a:extLst>
-          </p:cNvPr>
-          <p:cNvSpPr>
-            <a:spLocks noGrp="1"/>
-          </p:cNvSpPr>
-          <p:nvPr>
-            <p:ph idx="1"/>
-          </p:nvPr>
-        </p:nvSpPr>
-        <p:spPr/>
-        <p:txBody>
-          <a:bodyPr/>
-          <a:lstStyle/>
-          <a:p>
-            <a:endParaRPr lang="fr-FR"/>
           </a:p>
         </p:txBody>
       </p:sp>
@@ -5441,7 +7388,7 @@
           <a:p>
             <a:fld id="{BF75FECA-9BC9-4A5E-BB8B-D085B27CAF2D}" type="slidenum">
               <a:rPr lang="en-GB" smtClean="0"/>
-              <a:t>5</a:t>
+              <a:t>6</a:t>
             </a:fld>
             <a:endParaRPr lang="en-GB"/>
           </a:p>
@@ -5655,6 +7602,36 @@
           </a:p>
         </p:txBody>
       </p:sp>
+      <p:pic>
+        <p:nvPicPr>
+          <p:cNvPr id="10" name="Image 9">
+            <a:extLst>
+              <a:ext uri="{FF2B5EF4-FFF2-40B4-BE49-F238E27FC236}">
+                <a16:creationId xmlns:a16="http://schemas.microsoft.com/office/drawing/2014/main" id="{CACBCD32-E284-2F7A-B3BB-7BC319606D0E}"/>
+              </a:ext>
+            </a:extLst>
+          </p:cNvPr>
+          <p:cNvPicPr>
+            <a:picLocks noChangeAspect="1"/>
+          </p:cNvPicPr>
+          <p:nvPr/>
+        </p:nvPicPr>
+        <p:blipFill>
+          <a:blip r:embed="rId2"/>
+          <a:stretch>
+            <a:fillRect/>
+          </a:stretch>
+        </p:blipFill>
+        <p:spPr>
+          <a:xfrm>
+            <a:off x="1670407" y="1252498"/>
+            <a:ext cx="8559086" cy="5040669"/>
+          </a:xfrm>
+          <a:prstGeom prst="rect">
+            <a:avLst/>
+          </a:prstGeom>
+        </p:spPr>
+      </p:pic>
     </p:spTree>
     <p:extLst>
       <p:ext uri="{BB962C8B-B14F-4D97-AF65-F5344CB8AC3E}">
@@ -5668,7 +7645,351 @@
 </p:sld>
 </file>
 
-<file path=ppt/slides/slide6.xml><?xml version="1.0" encoding="utf-8"?>
+<file path=ppt/slides/slide7.xml><?xml version="1.0" encoding="utf-8"?>
+<p:sld xmlns:a="http://schemas.openxmlformats.org/drawingml/2006/main" xmlns:r="http://schemas.openxmlformats.org/officeDocument/2006/relationships" xmlns:p="http://schemas.openxmlformats.org/presentationml/2006/main">
+  <p:cSld>
+    <p:spTree>
+      <p:nvGrpSpPr>
+        <p:cNvPr id="1" name="">
+          <a:extLst>
+            <a:ext uri="{FF2B5EF4-FFF2-40B4-BE49-F238E27FC236}">
+              <a16:creationId xmlns:a16="http://schemas.microsoft.com/office/drawing/2014/main" id="{A6064E3C-A8F0-C0D1-0E31-5F1E007508BD}"/>
+            </a:ext>
+          </a:extLst>
+        </p:cNvPr>
+        <p:cNvGrpSpPr/>
+        <p:nvPr/>
+      </p:nvGrpSpPr>
+      <p:grpSpPr>
+        <a:xfrm>
+          <a:off x="0" y="0"/>
+          <a:ext cx="0" cy="0"/>
+          <a:chOff x="0" y="0"/>
+          <a:chExt cx="0" cy="0"/>
+        </a:xfrm>
+      </p:grpSpPr>
+      <p:sp>
+        <p:nvSpPr>
+          <p:cNvPr id="2" name="Titre 1">
+            <a:extLst>
+              <a:ext uri="{FF2B5EF4-FFF2-40B4-BE49-F238E27FC236}">
+                <a16:creationId xmlns:a16="http://schemas.microsoft.com/office/drawing/2014/main" id="{0D9BFE2E-0D16-4C0F-7F21-D5285D3FD4F7}"/>
+              </a:ext>
+            </a:extLst>
+          </p:cNvPr>
+          <p:cNvSpPr>
+            <a:spLocks noGrp="1"/>
+          </p:cNvSpPr>
+          <p:nvPr>
+            <p:ph type="title"/>
+          </p:nvPr>
+        </p:nvSpPr>
+        <p:spPr>
+          <a:xfrm>
+            <a:off x="590550" y="69534"/>
+            <a:ext cx="10515600" cy="1325563"/>
+          </a:xfrm>
+        </p:spPr>
+        <p:txBody>
+          <a:bodyPr/>
+          <a:lstStyle/>
+          <a:p>
+            <a:r>
+              <a:rPr lang="fr-FR" dirty="0"/>
+              <a:t>The </a:t>
+            </a:r>
+            <a:r>
+              <a:rPr lang="fr-FR" dirty="0" err="1"/>
+              <a:t>parameter</a:t>
+            </a:r>
+            <a:r>
+              <a:rPr lang="fr-FR" dirty="0"/>
+              <a:t> values</a:t>
+            </a:r>
+          </a:p>
+        </p:txBody>
+      </p:sp>
+      <p:sp>
+        <p:nvSpPr>
+          <p:cNvPr id="4" name="Espace réservé du numéro de diapositive 3">
+            <a:extLst>
+              <a:ext uri="{FF2B5EF4-FFF2-40B4-BE49-F238E27FC236}">
+                <a16:creationId xmlns:a16="http://schemas.microsoft.com/office/drawing/2014/main" id="{5103699E-75A2-6A68-E255-EECAF3D620CD}"/>
+              </a:ext>
+            </a:extLst>
+          </p:cNvPr>
+          <p:cNvSpPr>
+            <a:spLocks noGrp="1"/>
+          </p:cNvSpPr>
+          <p:nvPr>
+            <p:ph type="sldNum" sz="quarter" idx="12"/>
+          </p:nvPr>
+        </p:nvSpPr>
+        <p:spPr/>
+        <p:txBody>
+          <a:bodyPr/>
+          <a:lstStyle/>
+          <a:p>
+            <a:fld id="{BF75FECA-9BC9-4A5E-BB8B-D085B27CAF2D}" type="slidenum">
+              <a:rPr lang="en-GB" smtClean="0"/>
+              <a:t>7</a:t>
+            </a:fld>
+            <a:endParaRPr lang="en-GB"/>
+          </a:p>
+        </p:txBody>
+      </p:sp>
+      <p:sp>
+        <p:nvSpPr>
+          <p:cNvPr id="5" name="Rectangle : coins arrondis 4">
+            <a:extLst>
+              <a:ext uri="{FF2B5EF4-FFF2-40B4-BE49-F238E27FC236}">
+                <a16:creationId xmlns:a16="http://schemas.microsoft.com/office/drawing/2014/main" id="{2504C47B-84CD-6506-B771-3E6D9189F47B}"/>
+              </a:ext>
+            </a:extLst>
+          </p:cNvPr>
+          <p:cNvSpPr/>
+          <p:nvPr/>
+        </p:nvSpPr>
+        <p:spPr>
+          <a:xfrm>
+            <a:off x="9067800" y="6397624"/>
+            <a:ext cx="556260" cy="282575"/>
+          </a:xfrm>
+          <a:prstGeom prst="roundRect">
+            <a:avLst/>
+          </a:prstGeom>
+          <a:noFill/>
+          <a:ln>
+            <a:solidFill>
+              <a:schemeClr val="tx1"/>
+            </a:solidFill>
+          </a:ln>
+        </p:spPr>
+        <p:style>
+          <a:lnRef idx="2">
+            <a:schemeClr val="accent1">
+              <a:shade val="15000"/>
+            </a:schemeClr>
+          </a:lnRef>
+          <a:fillRef idx="1">
+            <a:schemeClr val="accent1"/>
+          </a:fillRef>
+          <a:effectRef idx="0">
+            <a:schemeClr val="accent1"/>
+          </a:effectRef>
+          <a:fontRef idx="minor">
+            <a:schemeClr val="lt1"/>
+          </a:fontRef>
+        </p:style>
+        <p:txBody>
+          <a:bodyPr rtlCol="0" anchor="ctr"/>
+          <a:lstStyle/>
+          <a:p>
+            <a:pPr algn="ctr"/>
+            <a:endParaRPr lang="fr-FR"/>
+          </a:p>
+        </p:txBody>
+      </p:sp>
+      <p:sp>
+        <p:nvSpPr>
+          <p:cNvPr id="6" name="Rectangle : coins arrondis 5">
+            <a:extLst>
+              <a:ext uri="{FF2B5EF4-FFF2-40B4-BE49-F238E27FC236}">
+                <a16:creationId xmlns:a16="http://schemas.microsoft.com/office/drawing/2014/main" id="{0A6EE7CB-1DD7-50B5-9BEE-4158F7D54289}"/>
+              </a:ext>
+            </a:extLst>
+          </p:cNvPr>
+          <p:cNvSpPr/>
+          <p:nvPr/>
+        </p:nvSpPr>
+        <p:spPr>
+          <a:xfrm>
+            <a:off x="9616440" y="6397624"/>
+            <a:ext cx="556260" cy="282575"/>
+          </a:xfrm>
+          <a:prstGeom prst="roundRect">
+            <a:avLst/>
+          </a:prstGeom>
+          <a:noFill/>
+          <a:ln>
+            <a:solidFill>
+              <a:schemeClr val="tx1"/>
+            </a:solidFill>
+          </a:ln>
+        </p:spPr>
+        <p:style>
+          <a:lnRef idx="2">
+            <a:schemeClr val="accent1">
+              <a:shade val="15000"/>
+            </a:schemeClr>
+          </a:lnRef>
+          <a:fillRef idx="1">
+            <a:schemeClr val="accent1"/>
+          </a:fillRef>
+          <a:effectRef idx="0">
+            <a:schemeClr val="accent1"/>
+          </a:effectRef>
+          <a:fontRef idx="minor">
+            <a:schemeClr val="lt1"/>
+          </a:fontRef>
+        </p:style>
+        <p:txBody>
+          <a:bodyPr rtlCol="0" anchor="ctr"/>
+          <a:lstStyle/>
+          <a:p>
+            <a:pPr algn="ctr"/>
+            <a:endParaRPr lang="fr-FR"/>
+          </a:p>
+        </p:txBody>
+      </p:sp>
+      <p:sp>
+        <p:nvSpPr>
+          <p:cNvPr id="7" name="Rectangle : coins arrondis 6">
+            <a:extLst>
+              <a:ext uri="{FF2B5EF4-FFF2-40B4-BE49-F238E27FC236}">
+                <a16:creationId xmlns:a16="http://schemas.microsoft.com/office/drawing/2014/main" id="{4B1D1609-296D-1C1C-40D3-46FFCE55A35D}"/>
+              </a:ext>
+            </a:extLst>
+          </p:cNvPr>
+          <p:cNvSpPr/>
+          <p:nvPr/>
+        </p:nvSpPr>
+        <p:spPr>
+          <a:xfrm>
+            <a:off x="10172700" y="6397624"/>
+            <a:ext cx="556260" cy="282575"/>
+          </a:xfrm>
+          <a:prstGeom prst="roundRect">
+            <a:avLst/>
+          </a:prstGeom>
+          <a:noFill/>
+          <a:ln>
+            <a:solidFill>
+              <a:schemeClr val="tx1"/>
+            </a:solidFill>
+          </a:ln>
+        </p:spPr>
+        <p:style>
+          <a:lnRef idx="2">
+            <a:schemeClr val="accent1">
+              <a:shade val="15000"/>
+            </a:schemeClr>
+          </a:lnRef>
+          <a:fillRef idx="1">
+            <a:schemeClr val="accent1"/>
+          </a:fillRef>
+          <a:effectRef idx="0">
+            <a:schemeClr val="accent1"/>
+          </a:effectRef>
+          <a:fontRef idx="minor">
+            <a:schemeClr val="lt1"/>
+          </a:fontRef>
+        </p:style>
+        <p:txBody>
+          <a:bodyPr rtlCol="0" anchor="ctr"/>
+          <a:lstStyle/>
+          <a:p>
+            <a:pPr algn="ctr"/>
+            <a:endParaRPr lang="fr-FR"/>
+          </a:p>
+        </p:txBody>
+      </p:sp>
+      <p:sp>
+        <p:nvSpPr>
+          <p:cNvPr id="8" name="Ellipse 7">
+            <a:extLst>
+              <a:ext uri="{FF2B5EF4-FFF2-40B4-BE49-F238E27FC236}">
+                <a16:creationId xmlns:a16="http://schemas.microsoft.com/office/drawing/2014/main" id="{4CB2B7BC-77C3-EAA8-245A-53D1BB27ECAD}"/>
+              </a:ext>
+            </a:extLst>
+          </p:cNvPr>
+          <p:cNvSpPr/>
+          <p:nvPr/>
+        </p:nvSpPr>
+        <p:spPr>
+          <a:xfrm>
+            <a:off x="9265920" y="6449374"/>
+            <a:ext cx="144780" cy="167642"/>
+          </a:xfrm>
+          <a:prstGeom prst="ellipse">
+            <a:avLst/>
+          </a:prstGeom>
+          <a:solidFill>
+            <a:schemeClr val="tx1"/>
+          </a:solidFill>
+          <a:ln>
+            <a:noFill/>
+          </a:ln>
+        </p:spPr>
+        <p:style>
+          <a:lnRef idx="2">
+            <a:schemeClr val="accent1">
+              <a:shade val="15000"/>
+            </a:schemeClr>
+          </a:lnRef>
+          <a:fillRef idx="1">
+            <a:schemeClr val="accent1"/>
+          </a:fillRef>
+          <a:effectRef idx="0">
+            <a:schemeClr val="accent1"/>
+          </a:effectRef>
+          <a:fontRef idx="minor">
+            <a:schemeClr val="lt1"/>
+          </a:fontRef>
+        </p:style>
+        <p:txBody>
+          <a:bodyPr rtlCol="0" anchor="ctr"/>
+          <a:lstStyle/>
+          <a:p>
+            <a:pPr algn="ctr"/>
+            <a:endParaRPr lang="fr-FR"/>
+          </a:p>
+        </p:txBody>
+      </p:sp>
+      <p:pic>
+        <p:nvPicPr>
+          <p:cNvPr id="9" name="Image 8">
+            <a:extLst>
+              <a:ext uri="{FF2B5EF4-FFF2-40B4-BE49-F238E27FC236}">
+                <a16:creationId xmlns:a16="http://schemas.microsoft.com/office/drawing/2014/main" id="{DDDDD3B8-9AAF-C37E-3DF3-D653D755F9F7}"/>
+              </a:ext>
+            </a:extLst>
+          </p:cNvPr>
+          <p:cNvPicPr>
+            <a:picLocks noChangeAspect="1"/>
+          </p:cNvPicPr>
+          <p:nvPr/>
+        </p:nvPicPr>
+        <p:blipFill>
+          <a:blip r:embed="rId2"/>
+          <a:stretch>
+            <a:fillRect/>
+          </a:stretch>
+        </p:blipFill>
+        <p:spPr>
+          <a:xfrm>
+            <a:off x="1748451" y="1082601"/>
+            <a:ext cx="8443299" cy="5210566"/>
+          </a:xfrm>
+          <a:prstGeom prst="rect">
+            <a:avLst/>
+          </a:prstGeom>
+        </p:spPr>
+      </p:pic>
+    </p:spTree>
+    <p:extLst>
+      <p:ext uri="{BB962C8B-B14F-4D97-AF65-F5344CB8AC3E}">
+        <p14:creationId xmlns:p14="http://schemas.microsoft.com/office/powerpoint/2010/main" val="2919947394"/>
+      </p:ext>
+    </p:extLst>
+  </p:cSld>
+  <p:clrMapOvr>
+    <a:masterClrMapping/>
+  </p:clrMapOvr>
+</p:sld>
+</file>
+
+<file path=ppt/slides/slide8.xml><?xml version="1.0" encoding="utf-8"?>
 <p:sld xmlns:a="http://schemas.openxmlformats.org/drawingml/2006/main" xmlns:r="http://schemas.openxmlformats.org/officeDocument/2006/relationships" xmlns:p="http://schemas.openxmlformats.org/presentationml/2006/main">
   <p:cSld>
     <p:spTree>
@@ -5693,56 +8014,6 @@
       </p:grpSpPr>
       <p:sp>
         <p:nvSpPr>
-          <p:cNvPr id="2" name="Titre 1">
-            <a:extLst>
-              <a:ext uri="{FF2B5EF4-FFF2-40B4-BE49-F238E27FC236}">
-                <a16:creationId xmlns:a16="http://schemas.microsoft.com/office/drawing/2014/main" id="{25F77E23-E6EA-926A-B5FF-752BFEA7FD85}"/>
-              </a:ext>
-            </a:extLst>
-          </p:cNvPr>
-          <p:cNvSpPr>
-            <a:spLocks noGrp="1"/>
-          </p:cNvSpPr>
-          <p:nvPr>
-            <p:ph type="title"/>
-          </p:nvPr>
-        </p:nvSpPr>
-        <p:spPr/>
-        <p:txBody>
-          <a:bodyPr/>
-          <a:lstStyle/>
-          <a:p>
-            <a:endParaRPr lang="fr-FR"/>
-          </a:p>
-        </p:txBody>
-      </p:sp>
-      <p:sp>
-        <p:nvSpPr>
-          <p:cNvPr id="3" name="Espace réservé du contenu 2">
-            <a:extLst>
-              <a:ext uri="{FF2B5EF4-FFF2-40B4-BE49-F238E27FC236}">
-                <a16:creationId xmlns:a16="http://schemas.microsoft.com/office/drawing/2014/main" id="{25E638DB-D9DF-32DD-482F-F72CFAC40B2F}"/>
-              </a:ext>
-            </a:extLst>
-          </p:cNvPr>
-          <p:cNvSpPr>
-            <a:spLocks noGrp="1"/>
-          </p:cNvSpPr>
-          <p:nvPr>
-            <p:ph idx="1"/>
-          </p:nvPr>
-        </p:nvSpPr>
-        <p:spPr/>
-        <p:txBody>
-          <a:bodyPr/>
-          <a:lstStyle/>
-          <a:p>
-            <a:endParaRPr lang="fr-FR"/>
-          </a:p>
-        </p:txBody>
-      </p:sp>
-      <p:sp>
-        <p:nvSpPr>
           <p:cNvPr id="4" name="Espace réservé du numéro de diapositive 3">
             <a:extLst>
               <a:ext uri="{FF2B5EF4-FFF2-40B4-BE49-F238E27FC236}">
@@ -5764,7 +8035,7 @@
           <a:p>
             <a:fld id="{BF75FECA-9BC9-4A5E-BB8B-D085B27CAF2D}" type="slidenum">
               <a:rPr lang="en-GB" smtClean="0"/>
-              <a:t>6</a:t>
+              <a:t>8</a:t>
             </a:fld>
             <a:endParaRPr lang="en-GB" dirty="0"/>
           </a:p>
@@ -6105,6 +8376,42 @@
           </a:p>
         </p:txBody>
       </p:sp>
+      <p:pic>
+        <p:nvPicPr>
+          <p:cNvPr id="11" name="Image 10">
+            <a:extLst>
+              <a:ext uri="{FF2B5EF4-FFF2-40B4-BE49-F238E27FC236}">
+                <a16:creationId xmlns:a16="http://schemas.microsoft.com/office/drawing/2014/main" id="{1B7EFB0E-175A-B7FB-9197-0619AE49484C}"/>
+              </a:ext>
+            </a:extLst>
+          </p:cNvPr>
+          <p:cNvPicPr>
+            <a:picLocks noChangeAspect="1"/>
+          </p:cNvPicPr>
+          <p:nvPr/>
+        </p:nvPicPr>
+        <p:blipFill>
+          <a:blip r:embed="rId3">
+            <a:extLst>
+              <a:ext uri="{28A0092B-C50C-407E-A947-70E740481C1C}">
+                <a14:useLocalDpi xmlns:a14="http://schemas.microsoft.com/office/drawing/2010/main" val="0"/>
+              </a:ext>
+            </a:extLst>
+          </a:blip>
+          <a:stretch>
+            <a:fillRect/>
+          </a:stretch>
+        </p:blipFill>
+        <p:spPr>
+          <a:xfrm>
+            <a:off x="-133350" y="14072"/>
+            <a:ext cx="12192000" cy="6829855"/>
+          </a:xfrm>
+          <a:prstGeom prst="rect">
+            <a:avLst/>
+          </a:prstGeom>
+        </p:spPr>
+      </p:pic>
     </p:spTree>
     <p:extLst>
       <p:ext uri="{BB962C8B-B14F-4D97-AF65-F5344CB8AC3E}">
@@ -6118,7 +8425,7 @@
 </p:sld>
 </file>
 
-<file path=ppt/slides/slide7.xml><?xml version="1.0" encoding="utf-8"?>
+<file path=ppt/slides/slide9.xml><?xml version="1.0" encoding="utf-8"?>
 <p:sld xmlns:a="http://schemas.openxmlformats.org/drawingml/2006/main" xmlns:r="http://schemas.openxmlformats.org/officeDocument/2006/relationships" xmlns:p="http://schemas.openxmlformats.org/presentationml/2006/main">
   <p:cSld>
     <p:spTree>
@@ -6164,7 +8471,7 @@
           <a:p>
             <a:fld id="{BF75FECA-9BC9-4A5E-BB8B-D085B27CAF2D}" type="slidenum">
               <a:rPr lang="en-GB" smtClean="0"/>
-              <a:t>7</a:t>
+              <a:t>9</a:t>
             </a:fld>
             <a:endParaRPr lang="en-GB"/>
           </a:p>
@@ -6296,7 +8603,7 @@
             <a:fld id="{BF75FECA-9BC9-4A5E-BB8B-D085B27CAF2D}" type="slidenum">
               <a:rPr lang="en-GB" smtClean="0"/>
               <a:pPr/>
-              <a:t>7</a:t>
+              <a:t>9</a:t>
             </a:fld>
             <a:endParaRPr lang="en-GB"/>
           </a:p>
@@ -6510,114 +8817,46 @@
           </a:p>
         </p:txBody>
       </p:sp>
+      <p:pic>
+        <p:nvPicPr>
+          <p:cNvPr id="3" name="Image 2">
+            <a:extLst>
+              <a:ext uri="{FF2B5EF4-FFF2-40B4-BE49-F238E27FC236}">
+                <a16:creationId xmlns:a16="http://schemas.microsoft.com/office/drawing/2014/main" id="{CAC432EE-C40E-EB30-ACC7-B2B347A4FC20}"/>
+              </a:ext>
+            </a:extLst>
+          </p:cNvPr>
+          <p:cNvPicPr>
+            <a:picLocks noChangeAspect="1"/>
+          </p:cNvPicPr>
+          <p:nvPr/>
+        </p:nvPicPr>
+        <p:blipFill>
+          <a:blip r:embed="rId2">
+            <a:extLst>
+              <a:ext uri="{28A0092B-C50C-407E-A947-70E740481C1C}">
+                <a14:useLocalDpi xmlns:a14="http://schemas.microsoft.com/office/drawing/2010/main" val="0"/>
+              </a:ext>
+            </a:extLst>
+          </a:blip>
+          <a:stretch>
+            <a:fillRect/>
+          </a:stretch>
+        </p:blipFill>
+        <p:spPr>
+          <a:xfrm>
+            <a:off x="-133350" y="14072"/>
+            <a:ext cx="12192000" cy="6829855"/>
+          </a:xfrm>
+          <a:prstGeom prst="rect">
+            <a:avLst/>
+          </a:prstGeom>
+        </p:spPr>
+      </p:pic>
     </p:spTree>
     <p:extLst>
       <p:ext uri="{BB962C8B-B14F-4D97-AF65-F5344CB8AC3E}">
         <p14:creationId xmlns:p14="http://schemas.microsoft.com/office/powerpoint/2010/main" val="971551749"/>
-      </p:ext>
-    </p:extLst>
-  </p:cSld>
-  <p:clrMapOvr>
-    <a:masterClrMapping/>
-  </p:clrMapOvr>
-</p:sld>
-</file>
-
-<file path=ppt/slides/slide8.xml><?xml version="1.0" encoding="utf-8"?>
-<p:sld xmlns:a="http://schemas.openxmlformats.org/drawingml/2006/main" xmlns:r="http://schemas.openxmlformats.org/officeDocument/2006/relationships" xmlns:p="http://schemas.openxmlformats.org/presentationml/2006/main">
-  <p:cSld>
-    <p:spTree>
-      <p:nvGrpSpPr>
-        <p:cNvPr id="1" name=""/>
-        <p:cNvGrpSpPr/>
-        <p:nvPr/>
-      </p:nvGrpSpPr>
-      <p:grpSpPr>
-        <a:xfrm>
-          <a:off x="0" y="0"/>
-          <a:ext cx="0" cy="0"/>
-          <a:chOff x="0" y="0"/>
-          <a:chExt cx="0" cy="0"/>
-        </a:xfrm>
-      </p:grpSpPr>
-      <p:sp>
-        <p:nvSpPr>
-          <p:cNvPr id="2" name="Titre 1">
-            <a:extLst>
-              <a:ext uri="{FF2B5EF4-FFF2-40B4-BE49-F238E27FC236}">
-                <a16:creationId xmlns:a16="http://schemas.microsoft.com/office/drawing/2014/main" id="{9310533A-E287-B059-7432-5BBCCB468E24}"/>
-              </a:ext>
-            </a:extLst>
-          </p:cNvPr>
-          <p:cNvSpPr>
-            <a:spLocks noGrp="1"/>
-          </p:cNvSpPr>
-          <p:nvPr>
-            <p:ph type="title"/>
-          </p:nvPr>
-        </p:nvSpPr>
-        <p:spPr>
-          <a:xfrm>
-            <a:off x="4191000" y="2628265"/>
-            <a:ext cx="10515600" cy="1325563"/>
-          </a:xfrm>
-        </p:spPr>
-        <p:txBody>
-          <a:bodyPr/>
-          <a:lstStyle/>
-          <a:p>
-            <a:r>
-              <a:rPr lang="fr-FR" dirty="0" err="1"/>
-              <a:t>Thank</a:t>
-            </a:r>
-            <a:r>
-              <a:rPr lang="fr-FR" dirty="0"/>
-              <a:t> </a:t>
-            </a:r>
-            <a:r>
-              <a:rPr lang="fr-FR" dirty="0" err="1"/>
-              <a:t>you</a:t>
-            </a:r>
-            <a:r>
-              <a:rPr lang="fr-FR" dirty="0"/>
-              <a:t>!</a:t>
-            </a:r>
-          </a:p>
-        </p:txBody>
-      </p:sp>
-      <p:sp>
-        <p:nvSpPr>
-          <p:cNvPr id="4" name="Espace réservé du numéro de diapositive 3">
-            <a:extLst>
-              <a:ext uri="{FF2B5EF4-FFF2-40B4-BE49-F238E27FC236}">
-                <a16:creationId xmlns:a16="http://schemas.microsoft.com/office/drawing/2014/main" id="{E3AFB2C4-9E3B-68CE-FBA2-25EF86E27C80}"/>
-              </a:ext>
-            </a:extLst>
-          </p:cNvPr>
-          <p:cNvSpPr>
-            <a:spLocks noGrp="1"/>
-          </p:cNvSpPr>
-          <p:nvPr>
-            <p:ph type="sldNum" sz="quarter" idx="12"/>
-          </p:nvPr>
-        </p:nvSpPr>
-        <p:spPr/>
-        <p:txBody>
-          <a:bodyPr/>
-          <a:lstStyle/>
-          <a:p>
-            <a:fld id="{BF75FECA-9BC9-4A5E-BB8B-D085B27CAF2D}" type="slidenum">
-              <a:rPr lang="en-GB" smtClean="0"/>
-              <a:t>8</a:t>
-            </a:fld>
-            <a:endParaRPr lang="en-GB"/>
-          </a:p>
-        </p:txBody>
-      </p:sp>
-    </p:spTree>
-    <p:extLst>
-      <p:ext uri="{BB962C8B-B14F-4D97-AF65-F5344CB8AC3E}">
-        <p14:creationId xmlns:p14="http://schemas.microsoft.com/office/powerpoint/2010/main" val="922791256"/>
       </p:ext>
     </p:extLst>
   </p:cSld>
